--- a/_book/plot/global-growth-by-year-1.pptx
+++ b/_book/plot/global-growth-by-year-1.pptx
@@ -3123,7 +3123,7 @@
           <p:spPr>
             <a:xfrm>
               <a:off x="2148681" y="1495425"/>
-              <a:ext cx="6400800" cy="4571999"/>
+              <a:ext cx="6400799" cy="4571999"/>
             </a:xfrm>
             <a:prstGeom prst="rect">
               <a:avLst/>
@@ -3158,7 +3158,7 @@
           <p:spPr>
             <a:xfrm>
               <a:off x="2148681" y="1495425"/>
-              <a:ext cx="6400800" cy="4571999"/>
+              <a:ext cx="6400799" cy="4571999"/>
             </a:xfrm>
             <a:prstGeom prst="rect">
               <a:avLst/>
@@ -3192,8 +3192,8 @@
           </p:nvSpPr>
           <p:spPr>
             <a:xfrm>
-              <a:off x="2693717" y="1789882"/>
-              <a:ext cx="5786175" cy="3877608"/>
+              <a:off x="2695051" y="1790925"/>
+              <a:ext cx="5784840" cy="3873605"/>
             </a:xfrm>
             <a:prstGeom prst="rect">
               <a:avLst/>
@@ -3218,21 +3218,21 @@
           </p:nvSpPr>
           <p:spPr>
             <a:xfrm>
-              <a:off x="2693717" y="5078847"/>
-              <a:ext cx="5786175" cy="0"/>
+              <a:off x="2695051" y="5076495"/>
+              <a:ext cx="5784840" cy="0"/>
             </a:xfrm>
             <a:custGeom>
               <a:avLst/>
               <a:pathLst>
-                <a:path w="5786175" h="0">
+                <a:path w="5784840" h="0">
                   <a:moveTo>
                     <a:pt x="0" y="0"/>
                   </a:moveTo>
                   <a:lnTo>
-                    <a:pt x="5786175" y="0"/>
-                  </a:lnTo>
-                  <a:lnTo>
-                    <a:pt x="5786175" y="0"/>
+                    <a:pt x="5784840" y="0"/>
+                  </a:lnTo>
+                  <a:lnTo>
+                    <a:pt x="5784840" y="0"/>
                   </a:lnTo>
                 </a:path>
               </a:pathLst>
@@ -3261,21 +3261,21 @@
           </p:nvSpPr>
           <p:spPr>
             <a:xfrm>
-              <a:off x="2693717" y="4254070"/>
-              <a:ext cx="5786175" cy="0"/>
+              <a:off x="2695051" y="4252569"/>
+              <a:ext cx="5784840" cy="0"/>
             </a:xfrm>
             <a:custGeom>
               <a:avLst/>
               <a:pathLst>
-                <a:path w="5786175" h="0">
+                <a:path w="5784840" h="0">
                   <a:moveTo>
                     <a:pt x="0" y="0"/>
                   </a:moveTo>
                   <a:lnTo>
-                    <a:pt x="5786175" y="0"/>
-                  </a:lnTo>
-                  <a:lnTo>
-                    <a:pt x="5786175" y="0"/>
+                    <a:pt x="5784840" y="0"/>
+                  </a:lnTo>
+                  <a:lnTo>
+                    <a:pt x="5784840" y="0"/>
                   </a:lnTo>
                 </a:path>
               </a:pathLst>
@@ -3304,21 +3304,21 @@
           </p:nvSpPr>
           <p:spPr>
             <a:xfrm>
-              <a:off x="2693717" y="3429293"/>
-              <a:ext cx="5786175" cy="0"/>
+              <a:off x="2695051" y="3428643"/>
+              <a:ext cx="5784840" cy="0"/>
             </a:xfrm>
             <a:custGeom>
               <a:avLst/>
               <a:pathLst>
-                <a:path w="5786175" h="0">
+                <a:path w="5784840" h="0">
                   <a:moveTo>
                     <a:pt x="0" y="0"/>
                   </a:moveTo>
                   <a:lnTo>
-                    <a:pt x="5786175" y="0"/>
-                  </a:lnTo>
-                  <a:lnTo>
-                    <a:pt x="5786175" y="0"/>
+                    <a:pt x="5784840" y="0"/>
+                  </a:lnTo>
+                  <a:lnTo>
+                    <a:pt x="5784840" y="0"/>
                   </a:lnTo>
                 </a:path>
               </a:pathLst>
@@ -3347,21 +3347,21 @@
           </p:nvSpPr>
           <p:spPr>
             <a:xfrm>
-              <a:off x="2693717" y="2604515"/>
-              <a:ext cx="5786175" cy="0"/>
+              <a:off x="2695051" y="2604716"/>
+              <a:ext cx="5784840" cy="0"/>
             </a:xfrm>
             <a:custGeom>
               <a:avLst/>
               <a:pathLst>
-                <a:path w="5786175" h="0">
+                <a:path w="5784840" h="0">
                   <a:moveTo>
                     <a:pt x="0" y="0"/>
                   </a:moveTo>
                   <a:lnTo>
-                    <a:pt x="5786175" y="0"/>
-                  </a:lnTo>
-                  <a:lnTo>
-                    <a:pt x="5786175" y="0"/>
+                    <a:pt x="5784840" y="0"/>
+                  </a:lnTo>
+                  <a:lnTo>
+                    <a:pt x="5784840" y="0"/>
                   </a:lnTo>
                 </a:path>
               </a:pathLst>
@@ -3390,15 +3390,15 @@
           </p:nvSpPr>
           <p:spPr>
             <a:xfrm>
-              <a:off x="3833418" y="1789882"/>
-              <a:ext cx="0" cy="3877608"/>
+              <a:off x="3834489" y="1790925"/>
+              <a:ext cx="0" cy="3873605"/>
             </a:xfrm>
             <a:custGeom>
               <a:avLst/>
               <a:pathLst>
-                <a:path w="0" h="3877608">
+                <a:path w="0" h="3873605">
                   <a:moveTo>
-                    <a:pt x="0" y="3877608"/>
+                    <a:pt x="0" y="3873605"/>
                   </a:moveTo>
                   <a:lnTo>
                     <a:pt x="0" y="0"/>
@@ -3433,15 +3433,15 @@
           </p:nvSpPr>
           <p:spPr>
             <a:xfrm>
-              <a:off x="5586804" y="1789882"/>
-              <a:ext cx="0" cy="3877608"/>
+              <a:off x="5587472" y="1790925"/>
+              <a:ext cx="0" cy="3873605"/>
             </a:xfrm>
             <a:custGeom>
               <a:avLst/>
               <a:pathLst>
-                <a:path w="0" h="3877608">
+                <a:path w="0" h="3873605">
                   <a:moveTo>
-                    <a:pt x="0" y="3877608"/>
+                    <a:pt x="0" y="3873605"/>
                   </a:moveTo>
                   <a:lnTo>
                     <a:pt x="0" y="0"/>
@@ -3476,15 +3476,15 @@
           </p:nvSpPr>
           <p:spPr>
             <a:xfrm>
-              <a:off x="7340191" y="1789882"/>
-              <a:ext cx="0" cy="3877608"/>
+              <a:off x="7340454" y="1790925"/>
+              <a:ext cx="0" cy="3873605"/>
             </a:xfrm>
             <a:custGeom>
               <a:avLst/>
               <a:pathLst>
-                <a:path w="0" h="3877608">
+                <a:path w="0" h="3873605">
                   <a:moveTo>
-                    <a:pt x="0" y="3877608"/>
+                    <a:pt x="0" y="3873605"/>
                   </a:moveTo>
                   <a:lnTo>
                     <a:pt x="0" y="0"/>
@@ -3519,21 +3519,21 @@
           </p:nvSpPr>
           <p:spPr>
             <a:xfrm>
-              <a:off x="2693717" y="5491236"/>
-              <a:ext cx="5786175" cy="0"/>
+              <a:off x="2695051" y="5488458"/>
+              <a:ext cx="5784840" cy="0"/>
             </a:xfrm>
             <a:custGeom>
               <a:avLst/>
               <a:pathLst>
-                <a:path w="5786175" h="0">
+                <a:path w="5784840" h="0">
                   <a:moveTo>
                     <a:pt x="0" y="0"/>
                   </a:moveTo>
                   <a:lnTo>
-                    <a:pt x="5786175" y="0"/>
-                  </a:lnTo>
-                  <a:lnTo>
-                    <a:pt x="5786175" y="0"/>
+                    <a:pt x="5784840" y="0"/>
+                  </a:lnTo>
+                  <a:lnTo>
+                    <a:pt x="5784840" y="0"/>
                   </a:lnTo>
                 </a:path>
               </a:pathLst>
@@ -3562,21 +3562,21 @@
           </p:nvSpPr>
           <p:spPr>
             <a:xfrm>
-              <a:off x="2693717" y="4666459"/>
-              <a:ext cx="5786175" cy="0"/>
+              <a:off x="2695051" y="4664532"/>
+              <a:ext cx="5784840" cy="0"/>
             </a:xfrm>
             <a:custGeom>
               <a:avLst/>
               <a:pathLst>
-                <a:path w="5786175" h="0">
+                <a:path w="5784840" h="0">
                   <a:moveTo>
                     <a:pt x="0" y="0"/>
                   </a:moveTo>
                   <a:lnTo>
-                    <a:pt x="5786175" y="0"/>
-                  </a:lnTo>
-                  <a:lnTo>
-                    <a:pt x="5786175" y="0"/>
+                    <a:pt x="5784840" y="0"/>
+                  </a:lnTo>
+                  <a:lnTo>
+                    <a:pt x="5784840" y="0"/>
                   </a:lnTo>
                 </a:path>
               </a:pathLst>
@@ -3605,21 +3605,21 @@
           </p:nvSpPr>
           <p:spPr>
             <a:xfrm>
-              <a:off x="2693717" y="3841681"/>
-              <a:ext cx="5786175" cy="0"/>
+              <a:off x="2695051" y="3840606"/>
+              <a:ext cx="5784840" cy="0"/>
             </a:xfrm>
             <a:custGeom>
               <a:avLst/>
               <a:pathLst>
-                <a:path w="5786175" h="0">
+                <a:path w="5784840" h="0">
                   <a:moveTo>
                     <a:pt x="0" y="0"/>
                   </a:moveTo>
                   <a:lnTo>
-                    <a:pt x="5786175" y="0"/>
-                  </a:lnTo>
-                  <a:lnTo>
-                    <a:pt x="5786175" y="0"/>
+                    <a:pt x="5784840" y="0"/>
+                  </a:lnTo>
+                  <a:lnTo>
+                    <a:pt x="5784840" y="0"/>
                   </a:lnTo>
                 </a:path>
               </a:pathLst>
@@ -3648,21 +3648,21 @@
           </p:nvSpPr>
           <p:spPr>
             <a:xfrm>
-              <a:off x="2693717" y="3016904"/>
-              <a:ext cx="5786175" cy="0"/>
+              <a:off x="2695051" y="3016679"/>
+              <a:ext cx="5784840" cy="0"/>
             </a:xfrm>
             <a:custGeom>
               <a:avLst/>
               <a:pathLst>
-                <a:path w="5786175" h="0">
+                <a:path w="5784840" h="0">
                   <a:moveTo>
                     <a:pt x="0" y="0"/>
                   </a:moveTo>
                   <a:lnTo>
-                    <a:pt x="5786175" y="0"/>
-                  </a:lnTo>
-                  <a:lnTo>
-                    <a:pt x="5786175" y="0"/>
+                    <a:pt x="5784840" y="0"/>
+                  </a:lnTo>
+                  <a:lnTo>
+                    <a:pt x="5784840" y="0"/>
                   </a:lnTo>
                 </a:path>
               </a:pathLst>
@@ -3691,21 +3691,21 @@
           </p:nvSpPr>
           <p:spPr>
             <a:xfrm>
-              <a:off x="2693717" y="2192126"/>
-              <a:ext cx="5786175" cy="0"/>
+              <a:off x="2695051" y="2192753"/>
+              <a:ext cx="5784840" cy="0"/>
             </a:xfrm>
             <a:custGeom>
               <a:avLst/>
               <a:pathLst>
-                <a:path w="5786175" h="0">
+                <a:path w="5784840" h="0">
                   <a:moveTo>
                     <a:pt x="0" y="0"/>
                   </a:moveTo>
                   <a:lnTo>
-                    <a:pt x="5786175" y="0"/>
-                  </a:lnTo>
-                  <a:lnTo>
-                    <a:pt x="5786175" y="0"/>
+                    <a:pt x="5784840" y="0"/>
+                  </a:lnTo>
+                  <a:lnTo>
+                    <a:pt x="5784840" y="0"/>
                   </a:lnTo>
                 </a:path>
               </a:pathLst>
@@ -3734,15 +3734,15 @@
           </p:nvSpPr>
           <p:spPr>
             <a:xfrm>
-              <a:off x="2956725" y="1789882"/>
-              <a:ext cx="0" cy="3877608"/>
+              <a:off x="2957998" y="1790925"/>
+              <a:ext cx="0" cy="3873605"/>
             </a:xfrm>
             <a:custGeom>
               <a:avLst/>
               <a:pathLst>
-                <a:path w="0" h="3877608">
+                <a:path w="0" h="3873605">
                   <a:moveTo>
-                    <a:pt x="0" y="3877608"/>
+                    <a:pt x="0" y="3873605"/>
                   </a:moveTo>
                   <a:lnTo>
                     <a:pt x="0" y="0"/>
@@ -3777,15 +3777,15 @@
           </p:nvSpPr>
           <p:spPr>
             <a:xfrm>
-              <a:off x="4710111" y="1789882"/>
-              <a:ext cx="0" cy="3877608"/>
+              <a:off x="4710981" y="1790925"/>
+              <a:ext cx="0" cy="3873605"/>
             </a:xfrm>
             <a:custGeom>
               <a:avLst/>
               <a:pathLst>
-                <a:path w="0" h="3877608">
+                <a:path w="0" h="3873605">
                   <a:moveTo>
-                    <a:pt x="0" y="3877608"/>
+                    <a:pt x="0" y="3873605"/>
                   </a:moveTo>
                   <a:lnTo>
                     <a:pt x="0" y="0"/>
@@ -3820,15 +3820,15 @@
           </p:nvSpPr>
           <p:spPr>
             <a:xfrm>
-              <a:off x="6463498" y="1789882"/>
-              <a:ext cx="0" cy="3877608"/>
+              <a:off x="6463963" y="1790925"/>
+              <a:ext cx="0" cy="3873605"/>
             </a:xfrm>
             <a:custGeom>
               <a:avLst/>
               <a:pathLst>
-                <a:path w="0" h="3877608">
+                <a:path w="0" h="3873605">
                   <a:moveTo>
-                    <a:pt x="0" y="3877608"/>
+                    <a:pt x="0" y="3873605"/>
                   </a:moveTo>
                   <a:lnTo>
                     <a:pt x="0" y="0"/>
@@ -3863,15 +3863,15 @@
           </p:nvSpPr>
           <p:spPr>
             <a:xfrm>
-              <a:off x="8216884" y="1789882"/>
-              <a:ext cx="0" cy="3877608"/>
+              <a:off x="8216945" y="1790925"/>
+              <a:ext cx="0" cy="3873605"/>
             </a:xfrm>
             <a:custGeom>
               <a:avLst/>
               <a:pathLst>
-                <a:path w="0" h="3877608">
+                <a:path w="0" h="3873605">
                   <a:moveTo>
-                    <a:pt x="0" y="3877608"/>
+                    <a:pt x="0" y="3873605"/>
                   </a:moveTo>
                   <a:lnTo>
                     <a:pt x="0" y="0"/>
@@ -3906,7 +3906,7 @@
           </p:nvSpPr>
           <p:spPr>
             <a:xfrm>
-              <a:off x="8171732" y="1920985"/>
+              <a:off x="8171793" y="1921846"/>
               <a:ext cx="90303" cy="90303"/>
             </a:xfrm>
             <a:prstGeom prst="ellipse">
@@ -3941,7 +3941,7 @@
           </p:nvSpPr>
           <p:spPr>
             <a:xfrm>
-              <a:off x="7996393" y="1931708"/>
+              <a:off x="7996495" y="1932557"/>
               <a:ext cx="90303" cy="90303"/>
             </a:xfrm>
             <a:prstGeom prst="ellipse">
@@ -3976,7 +3976,7 @@
           </p:nvSpPr>
           <p:spPr>
             <a:xfrm>
-              <a:off x="7821055" y="2624521"/>
+              <a:off x="7821196" y="2624655"/>
               <a:ext cx="90303" cy="90303"/>
             </a:xfrm>
             <a:prstGeom prst="ellipse">
@@ -4011,7 +4011,7 @@
           </p:nvSpPr>
           <p:spPr>
             <a:xfrm>
-              <a:off x="7645716" y="2965978"/>
+              <a:off x="7645898" y="2965760"/>
               <a:ext cx="90303" cy="90303"/>
             </a:xfrm>
             <a:prstGeom prst="ellipse">
@@ -4046,7 +4046,7 @@
           </p:nvSpPr>
           <p:spPr>
             <a:xfrm>
-              <a:off x="7470378" y="3323107"/>
+              <a:off x="7470600" y="3322520"/>
               <a:ext cx="90303" cy="90303"/>
             </a:xfrm>
             <a:prstGeom prst="ellipse">
@@ -4081,7 +4081,7 @@
           </p:nvSpPr>
           <p:spPr>
             <a:xfrm>
-              <a:off x="7295039" y="3488887"/>
+              <a:off x="7295302" y="3488129"/>
               <a:ext cx="90303" cy="90303"/>
             </a:xfrm>
             <a:prstGeom prst="ellipse">
@@ -4116,7 +4116,7 @@
           </p:nvSpPr>
           <p:spPr>
             <a:xfrm>
-              <a:off x="7119700" y="3630749"/>
+              <a:off x="7120004" y="3629845"/>
               <a:ext cx="90303" cy="90303"/>
             </a:xfrm>
             <a:prstGeom prst="ellipse">
@@ -4151,7 +4151,7 @@
           </p:nvSpPr>
           <p:spPr>
             <a:xfrm>
-              <a:off x="6944362" y="3810551"/>
+              <a:off x="6944705" y="3809460"/>
               <a:ext cx="90303" cy="90303"/>
             </a:xfrm>
             <a:prstGeom prst="ellipse">
@@ -4186,7 +4186,7 @@
           </p:nvSpPr>
           <p:spPr>
             <a:xfrm>
-              <a:off x="6769023" y="3834469"/>
+              <a:off x="6769407" y="3833354"/>
               <a:ext cx="90303" cy="90303"/>
             </a:xfrm>
             <a:prstGeom prst="ellipse">
@@ -4221,7 +4221,7 @@
           </p:nvSpPr>
           <p:spPr>
             <a:xfrm>
-              <a:off x="6593684" y="4058809"/>
+              <a:off x="6594109" y="4057462"/>
               <a:ext cx="90303" cy="90303"/>
             </a:xfrm>
             <a:prstGeom prst="ellipse">
@@ -4256,7 +4256,7 @@
           </p:nvSpPr>
           <p:spPr>
             <a:xfrm>
-              <a:off x="6418346" y="4120667"/>
+              <a:off x="6418811" y="4119257"/>
               <a:ext cx="90303" cy="90303"/>
             </a:xfrm>
             <a:prstGeom prst="ellipse">
@@ -4291,7 +4291,7 @@
           </p:nvSpPr>
           <p:spPr>
             <a:xfrm>
-              <a:off x="6243007" y="4331810"/>
+              <a:off x="6243513" y="4330182"/>
               <a:ext cx="90303" cy="90303"/>
             </a:xfrm>
             <a:prstGeom prst="ellipse">
@@ -4326,7 +4326,7 @@
           </p:nvSpPr>
           <p:spPr>
             <a:xfrm>
-              <a:off x="6067668" y="4425835"/>
+              <a:off x="6068214" y="4424109"/>
               <a:ext cx="90303" cy="90303"/>
             </a:xfrm>
             <a:prstGeom prst="ellipse">
@@ -4361,7 +4361,7 @@
           </p:nvSpPr>
           <p:spPr>
             <a:xfrm>
-              <a:off x="5892330" y="4506663"/>
+              <a:off x="5892916" y="4504854"/>
               <a:ext cx="90303" cy="90303"/>
             </a:xfrm>
             <a:prstGeom prst="ellipse">
@@ -4396,7 +4396,7 @@
           </p:nvSpPr>
           <p:spPr>
             <a:xfrm>
-              <a:off x="5716991" y="4699661"/>
+              <a:off x="5717618" y="4697653"/>
               <a:ext cx="90303" cy="90303"/>
             </a:xfrm>
             <a:prstGeom prst="ellipse">
@@ -4431,7 +4431,7 @@
           </p:nvSpPr>
           <p:spPr>
             <a:xfrm>
-              <a:off x="5541653" y="4779664"/>
+              <a:off x="5542320" y="4777574"/>
               <a:ext cx="90303" cy="90303"/>
             </a:xfrm>
             <a:prstGeom prst="ellipse">
@@ -4466,7 +4466,7 @@
           </p:nvSpPr>
           <p:spPr>
             <a:xfrm>
-              <a:off x="5366314" y="4876988"/>
+              <a:off x="5367021" y="4874797"/>
               <a:ext cx="90303" cy="90303"/>
             </a:xfrm>
             <a:prstGeom prst="ellipse">
@@ -4501,7 +4501,7 @@
           </p:nvSpPr>
           <p:spPr>
             <a:xfrm>
-              <a:off x="5190975" y="5038644"/>
+              <a:off x="5191723" y="5036286"/>
               <a:ext cx="90303" cy="90303"/>
             </a:xfrm>
             <a:prstGeom prst="ellipse">
@@ -4536,7 +4536,7 @@
           </p:nvSpPr>
           <p:spPr>
             <a:xfrm>
-              <a:off x="5015637" y="5040294"/>
+              <a:off x="5016425" y="5037934"/>
               <a:ext cx="90303" cy="90303"/>
             </a:xfrm>
             <a:prstGeom prst="ellipse">
@@ -4571,7 +4571,7 @@
           </p:nvSpPr>
           <p:spPr>
             <a:xfrm>
-              <a:off x="4840298" y="5149989"/>
+              <a:off x="4841127" y="5147516"/>
               <a:ext cx="90303" cy="90303"/>
             </a:xfrm>
             <a:prstGeom prst="ellipse">
@@ -4606,7 +4606,7 @@
           </p:nvSpPr>
           <p:spPr>
             <a:xfrm>
-              <a:off x="4664959" y="5234116"/>
+              <a:off x="4665829" y="5231557"/>
               <a:ext cx="90303" cy="90303"/>
             </a:xfrm>
             <a:prstGeom prst="ellipse">
@@ -4641,7 +4641,7 @@
           </p:nvSpPr>
           <p:spPr>
             <a:xfrm>
-              <a:off x="4489621" y="5264633"/>
+              <a:off x="4490530" y="5262042"/>
               <a:ext cx="90303" cy="90303"/>
             </a:xfrm>
             <a:prstGeom prst="ellipse">
@@ -4676,7 +4676,7 @@
           </p:nvSpPr>
           <p:spPr>
             <a:xfrm>
-              <a:off x="4314282" y="5295975"/>
+              <a:off x="4315232" y="5293351"/>
               <a:ext cx="90303" cy="90303"/>
             </a:xfrm>
             <a:prstGeom prst="ellipse">
@@ -4711,7 +4711,7 @@
           </p:nvSpPr>
           <p:spPr>
             <a:xfrm>
-              <a:off x="4138943" y="5367730"/>
+              <a:off x="4139934" y="5365033"/>
               <a:ext cx="90303" cy="90303"/>
             </a:xfrm>
             <a:prstGeom prst="ellipse">
@@ -4746,7 +4746,7 @@
           </p:nvSpPr>
           <p:spPr>
             <a:xfrm>
-              <a:off x="3963605" y="5395773"/>
+              <a:off x="3964636" y="5393046"/>
               <a:ext cx="90303" cy="90303"/>
             </a:xfrm>
             <a:prstGeom prst="ellipse">
@@ -4781,7 +4781,7 @@
           </p:nvSpPr>
           <p:spPr>
             <a:xfrm>
-              <a:off x="3788266" y="5410619"/>
+              <a:off x="3789338" y="5407877"/>
               <a:ext cx="90303" cy="90303"/>
             </a:xfrm>
             <a:prstGeom prst="ellipse">
@@ -4816,7 +4816,7 @@
           </p:nvSpPr>
           <p:spPr>
             <a:xfrm>
-              <a:off x="3612928" y="5419691"/>
+              <a:off x="3614039" y="5416940"/>
               <a:ext cx="90303" cy="90303"/>
             </a:xfrm>
             <a:prstGeom prst="ellipse">
@@ -4851,7 +4851,7 @@
           </p:nvSpPr>
           <p:spPr>
             <a:xfrm>
-              <a:off x="3437589" y="5416392"/>
+              <a:off x="3438741" y="5413644"/>
               <a:ext cx="90303" cy="90303"/>
             </a:xfrm>
             <a:prstGeom prst="ellipse">
@@ -4886,7 +4886,7 @@
           </p:nvSpPr>
           <p:spPr>
             <a:xfrm>
-              <a:off x="3262250" y="5429589"/>
+              <a:off x="3263443" y="5426827"/>
               <a:ext cx="90303" cy="90303"/>
             </a:xfrm>
             <a:prstGeom prst="ellipse">
@@ -4921,7 +4921,7 @@
           </p:nvSpPr>
           <p:spPr>
             <a:xfrm>
-              <a:off x="3086912" y="5425465"/>
+              <a:off x="3088145" y="5422708"/>
               <a:ext cx="90303" cy="90303"/>
             </a:xfrm>
             <a:prstGeom prst="ellipse">
@@ -4956,7 +4956,7 @@
           </p:nvSpPr>
           <p:spPr>
             <a:xfrm>
-              <a:off x="2911573" y="5437836"/>
+              <a:off x="2912847" y="5435066"/>
               <a:ext cx="90303" cy="90303"/>
             </a:xfrm>
             <a:prstGeom prst="ellipse">
@@ -4991,7 +4991,7 @@
           </p:nvSpPr>
           <p:spPr>
             <a:xfrm>
-              <a:off x="2736234" y="5440311"/>
+              <a:off x="2737548" y="5437538"/>
               <a:ext cx="90303" cy="90303"/>
             </a:xfrm>
             <a:prstGeom prst="ellipse">
@@ -5026,7 +5026,7 @@
           </p:nvSpPr>
           <p:spPr>
             <a:xfrm>
-              <a:off x="2560896" y="5437836"/>
+              <a:off x="2562250" y="5435066"/>
               <a:ext cx="90303" cy="90303"/>
             </a:xfrm>
             <a:prstGeom prst="ellipse">
@@ -5061,7 +5061,7 @@
           </p:nvSpPr>
           <p:spPr>
             <a:xfrm>
-              <a:off x="2385557" y="5441960"/>
+              <a:off x="2386952" y="5439186"/>
               <a:ext cx="90303" cy="90303"/>
             </a:xfrm>
             <a:prstGeom prst="ellipse">
@@ -5096,210 +5096,210 @@
           </p:nvSpPr>
           <p:spPr>
             <a:xfrm>
-              <a:off x="2693717" y="1966137"/>
-              <a:ext cx="5523167" cy="3525098"/>
+              <a:off x="2695051" y="1966998"/>
+              <a:ext cx="5521893" cy="3521459"/>
             </a:xfrm>
             <a:custGeom>
               <a:avLst/>
               <a:pathLst>
-                <a:path w="5523167" h="3525098">
+                <a:path w="5521893" h="3521459">
                   <a:moveTo>
-                    <a:pt x="0" y="3518088"/>
+                    <a:pt x="0" y="3514456"/>
                   </a:moveTo>
                   <a:lnTo>
-                    <a:pt x="87669" y="3519325"/>
-                  </a:lnTo>
-                  <a:lnTo>
-                    <a:pt x="263007" y="3516851"/>
-                  </a:lnTo>
-                  <a:lnTo>
-                    <a:pt x="438346" y="3504479"/>
-                  </a:lnTo>
-                  <a:lnTo>
-                    <a:pt x="613685" y="3508603"/>
-                  </a:lnTo>
-                  <a:lnTo>
-                    <a:pt x="789023" y="3495406"/>
-                  </a:lnTo>
-                  <a:lnTo>
-                    <a:pt x="964362" y="3498705"/>
-                  </a:lnTo>
-                  <a:lnTo>
-                    <a:pt x="1139701" y="3489633"/>
-                  </a:lnTo>
-                  <a:lnTo>
-                    <a:pt x="1315039" y="3474787"/>
-                  </a:lnTo>
-                  <a:lnTo>
-                    <a:pt x="1490378" y="3446744"/>
-                  </a:lnTo>
-                  <a:lnTo>
-                    <a:pt x="1665717" y="3374989"/>
-                  </a:lnTo>
-                  <a:lnTo>
-                    <a:pt x="1841055" y="3343647"/>
-                  </a:lnTo>
-                  <a:lnTo>
-                    <a:pt x="2016394" y="3313130"/>
-                  </a:lnTo>
-                  <a:lnTo>
-                    <a:pt x="2191732" y="3229003"/>
-                  </a:lnTo>
-                  <a:lnTo>
-                    <a:pt x="2367071" y="3119308"/>
-                  </a:lnTo>
-                  <a:lnTo>
-                    <a:pt x="2542410" y="3117658"/>
-                  </a:lnTo>
-                  <a:lnTo>
-                    <a:pt x="2717748" y="2956002"/>
-                  </a:lnTo>
-                  <a:lnTo>
-                    <a:pt x="2893087" y="2858678"/>
-                  </a:lnTo>
-                  <a:lnTo>
-                    <a:pt x="3068426" y="2778675"/>
-                  </a:lnTo>
-                  <a:lnTo>
-                    <a:pt x="3243764" y="2585677"/>
-                  </a:lnTo>
-                  <a:lnTo>
-                    <a:pt x="3419103" y="2504849"/>
-                  </a:lnTo>
-                  <a:lnTo>
-                    <a:pt x="3594442" y="2410824"/>
-                  </a:lnTo>
-                  <a:lnTo>
-                    <a:pt x="3769780" y="2199681"/>
-                  </a:lnTo>
-                  <a:lnTo>
-                    <a:pt x="3945119" y="2137823"/>
-                  </a:lnTo>
-                  <a:lnTo>
-                    <a:pt x="4120457" y="1913483"/>
-                  </a:lnTo>
-                  <a:lnTo>
-                    <a:pt x="4295796" y="1889565"/>
-                  </a:lnTo>
-                  <a:lnTo>
-                    <a:pt x="4471135" y="1709763"/>
-                  </a:lnTo>
-                  <a:lnTo>
-                    <a:pt x="4646473" y="1567901"/>
-                  </a:lnTo>
-                  <a:lnTo>
-                    <a:pt x="4821812" y="1402121"/>
-                  </a:lnTo>
-                  <a:lnTo>
-                    <a:pt x="4997151" y="1044993"/>
-                  </a:lnTo>
-                  <a:lnTo>
-                    <a:pt x="5172489" y="703535"/>
-                  </a:lnTo>
-                  <a:lnTo>
-                    <a:pt x="5347828" y="10722"/>
-                  </a:lnTo>
-                  <a:lnTo>
-                    <a:pt x="5523167" y="0"/>
-                  </a:lnTo>
-                  <a:lnTo>
-                    <a:pt x="5523167" y="3525098"/>
-                  </a:lnTo>
-                  <a:lnTo>
-                    <a:pt x="5347828" y="3525098"/>
-                  </a:lnTo>
-                  <a:lnTo>
-                    <a:pt x="5172489" y="3525098"/>
-                  </a:lnTo>
-                  <a:lnTo>
-                    <a:pt x="4997151" y="3525098"/>
-                  </a:lnTo>
-                  <a:lnTo>
-                    <a:pt x="4821812" y="3525098"/>
-                  </a:lnTo>
-                  <a:lnTo>
-                    <a:pt x="4646473" y="3525098"/>
-                  </a:lnTo>
-                  <a:lnTo>
-                    <a:pt x="4471135" y="3525098"/>
-                  </a:lnTo>
-                  <a:lnTo>
-                    <a:pt x="4295796" y="3525098"/>
-                  </a:lnTo>
-                  <a:lnTo>
-                    <a:pt x="4120457" y="3525098"/>
-                  </a:lnTo>
-                  <a:lnTo>
-                    <a:pt x="3945119" y="3525098"/>
-                  </a:lnTo>
-                  <a:lnTo>
-                    <a:pt x="3769780" y="3525098"/>
-                  </a:lnTo>
-                  <a:lnTo>
-                    <a:pt x="3594442" y="3525098"/>
-                  </a:lnTo>
-                  <a:lnTo>
-                    <a:pt x="3419103" y="3525098"/>
-                  </a:lnTo>
-                  <a:lnTo>
-                    <a:pt x="3243764" y="3525098"/>
-                  </a:lnTo>
-                  <a:lnTo>
-                    <a:pt x="3068426" y="3525098"/>
-                  </a:lnTo>
-                  <a:lnTo>
-                    <a:pt x="2893087" y="3525098"/>
-                  </a:lnTo>
-                  <a:lnTo>
-                    <a:pt x="2717748" y="3525098"/>
-                  </a:lnTo>
-                  <a:lnTo>
-                    <a:pt x="2542410" y="3525098"/>
-                  </a:lnTo>
-                  <a:lnTo>
-                    <a:pt x="2367071" y="3525098"/>
-                  </a:lnTo>
-                  <a:lnTo>
-                    <a:pt x="2191732" y="3525098"/>
-                  </a:lnTo>
-                  <a:lnTo>
-                    <a:pt x="2016394" y="3525098"/>
-                  </a:lnTo>
-                  <a:lnTo>
-                    <a:pt x="1841055" y="3525098"/>
-                  </a:lnTo>
-                  <a:lnTo>
-                    <a:pt x="1665717" y="3525098"/>
-                  </a:lnTo>
-                  <a:lnTo>
-                    <a:pt x="1490378" y="3525098"/>
-                  </a:lnTo>
-                  <a:lnTo>
-                    <a:pt x="1315039" y="3525098"/>
-                  </a:lnTo>
-                  <a:lnTo>
-                    <a:pt x="1139701" y="3525098"/>
-                  </a:lnTo>
-                  <a:lnTo>
-                    <a:pt x="964362" y="3525098"/>
-                  </a:lnTo>
-                  <a:lnTo>
-                    <a:pt x="789023" y="3525098"/>
-                  </a:lnTo>
-                  <a:lnTo>
-                    <a:pt x="613685" y="3525098"/>
-                  </a:lnTo>
-                  <a:lnTo>
-                    <a:pt x="438346" y="3525098"/>
-                  </a:lnTo>
-                  <a:lnTo>
-                    <a:pt x="263007" y="3525098"/>
-                  </a:lnTo>
-                  <a:lnTo>
-                    <a:pt x="87669" y="3525098"/>
-                  </a:lnTo>
-                  <a:lnTo>
-                    <a:pt x="0" y="3525098"/>
+                    <a:pt x="87649" y="3515692"/>
+                  </a:lnTo>
+                  <a:lnTo>
+                    <a:pt x="262947" y="3513220"/>
+                  </a:lnTo>
+                  <a:lnTo>
+                    <a:pt x="438245" y="3500861"/>
+                  </a:lnTo>
+                  <a:lnTo>
+                    <a:pt x="613543" y="3504981"/>
+                  </a:lnTo>
+                  <a:lnTo>
+                    <a:pt x="788841" y="3491798"/>
+                  </a:lnTo>
+                  <a:lnTo>
+                    <a:pt x="964140" y="3495094"/>
+                  </a:lnTo>
+                  <a:lnTo>
+                    <a:pt x="1139438" y="3486031"/>
+                  </a:lnTo>
+                  <a:lnTo>
+                    <a:pt x="1314736" y="3471200"/>
+                  </a:lnTo>
+                  <a:lnTo>
+                    <a:pt x="1490034" y="3443186"/>
+                  </a:lnTo>
+                  <a:lnTo>
+                    <a:pt x="1665332" y="3371505"/>
+                  </a:lnTo>
+                  <a:lnTo>
+                    <a:pt x="1840631" y="3340196"/>
+                  </a:lnTo>
+                  <a:lnTo>
+                    <a:pt x="2015929" y="3309710"/>
+                  </a:lnTo>
+                  <a:lnTo>
+                    <a:pt x="2191227" y="3225670"/>
+                  </a:lnTo>
+                  <a:lnTo>
+                    <a:pt x="2366525" y="3116088"/>
+                  </a:lnTo>
+                  <a:lnTo>
+                    <a:pt x="2541823" y="3114440"/>
+                  </a:lnTo>
+                  <a:lnTo>
+                    <a:pt x="2717122" y="2952950"/>
+                  </a:lnTo>
+                  <a:lnTo>
+                    <a:pt x="2892420" y="2855727"/>
+                  </a:lnTo>
+                  <a:lnTo>
+                    <a:pt x="3067718" y="2775806"/>
+                  </a:lnTo>
+                  <a:lnTo>
+                    <a:pt x="3243016" y="2583008"/>
+                  </a:lnTo>
+                  <a:lnTo>
+                    <a:pt x="3418315" y="2502263"/>
+                  </a:lnTo>
+                  <a:lnTo>
+                    <a:pt x="3593613" y="2408335"/>
+                  </a:lnTo>
+                  <a:lnTo>
+                    <a:pt x="3768911" y="2197410"/>
+                  </a:lnTo>
+                  <a:lnTo>
+                    <a:pt x="3944209" y="2135616"/>
+                  </a:lnTo>
+                  <a:lnTo>
+                    <a:pt x="4119507" y="1911508"/>
+                  </a:lnTo>
+                  <a:lnTo>
+                    <a:pt x="4294806" y="1887614"/>
+                  </a:lnTo>
+                  <a:lnTo>
+                    <a:pt x="4470104" y="1707998"/>
+                  </a:lnTo>
+                  <a:lnTo>
+                    <a:pt x="4645402" y="1566283"/>
+                  </a:lnTo>
+                  <a:lnTo>
+                    <a:pt x="4820700" y="1400674"/>
+                  </a:lnTo>
+                  <a:lnTo>
+                    <a:pt x="4995998" y="1043914"/>
+                  </a:lnTo>
+                  <a:lnTo>
+                    <a:pt x="5171297" y="702808"/>
+                  </a:lnTo>
+                  <a:lnTo>
+                    <a:pt x="5346595" y="10711"/>
+                  </a:lnTo>
+                  <a:lnTo>
+                    <a:pt x="5521893" y="0"/>
+                  </a:lnTo>
+                  <a:lnTo>
+                    <a:pt x="5521893" y="3521459"/>
+                  </a:lnTo>
+                  <a:lnTo>
+                    <a:pt x="5346595" y="3521459"/>
+                  </a:lnTo>
+                  <a:lnTo>
+                    <a:pt x="5171297" y="3521459"/>
+                  </a:lnTo>
+                  <a:lnTo>
+                    <a:pt x="4995998" y="3521459"/>
+                  </a:lnTo>
+                  <a:lnTo>
+                    <a:pt x="4820700" y="3521459"/>
+                  </a:lnTo>
+                  <a:lnTo>
+                    <a:pt x="4645402" y="3521459"/>
+                  </a:lnTo>
+                  <a:lnTo>
+                    <a:pt x="4470104" y="3521459"/>
+                  </a:lnTo>
+                  <a:lnTo>
+                    <a:pt x="4294806" y="3521459"/>
+                  </a:lnTo>
+                  <a:lnTo>
+                    <a:pt x="4119507" y="3521459"/>
+                  </a:lnTo>
+                  <a:lnTo>
+                    <a:pt x="3944209" y="3521459"/>
+                  </a:lnTo>
+                  <a:lnTo>
+                    <a:pt x="3768911" y="3521459"/>
+                  </a:lnTo>
+                  <a:lnTo>
+                    <a:pt x="3593613" y="3521459"/>
+                  </a:lnTo>
+                  <a:lnTo>
+                    <a:pt x="3418315" y="3521459"/>
+                  </a:lnTo>
+                  <a:lnTo>
+                    <a:pt x="3243016" y="3521459"/>
+                  </a:lnTo>
+                  <a:lnTo>
+                    <a:pt x="3067718" y="3521459"/>
+                  </a:lnTo>
+                  <a:lnTo>
+                    <a:pt x="2892420" y="3521459"/>
+                  </a:lnTo>
+                  <a:lnTo>
+                    <a:pt x="2717122" y="3521459"/>
+                  </a:lnTo>
+                  <a:lnTo>
+                    <a:pt x="2541823" y="3521459"/>
+                  </a:lnTo>
+                  <a:lnTo>
+                    <a:pt x="2366525" y="3521459"/>
+                  </a:lnTo>
+                  <a:lnTo>
+                    <a:pt x="2191227" y="3521459"/>
+                  </a:lnTo>
+                  <a:lnTo>
+                    <a:pt x="2015929" y="3521459"/>
+                  </a:lnTo>
+                  <a:lnTo>
+                    <a:pt x="1840631" y="3521459"/>
+                  </a:lnTo>
+                  <a:lnTo>
+                    <a:pt x="1665332" y="3521459"/>
+                  </a:lnTo>
+                  <a:lnTo>
+                    <a:pt x="1490034" y="3521459"/>
+                  </a:lnTo>
+                  <a:lnTo>
+                    <a:pt x="1314736" y="3521459"/>
+                  </a:lnTo>
+                  <a:lnTo>
+                    <a:pt x="1139438" y="3521459"/>
+                  </a:lnTo>
+                  <a:lnTo>
+                    <a:pt x="964140" y="3521459"/>
+                  </a:lnTo>
+                  <a:lnTo>
+                    <a:pt x="788841" y="3521459"/>
+                  </a:lnTo>
+                  <a:lnTo>
+                    <a:pt x="613543" y="3521459"/>
+                  </a:lnTo>
+                  <a:lnTo>
+                    <a:pt x="438245" y="3521459"/>
+                  </a:lnTo>
+                  <a:lnTo>
+                    <a:pt x="262947" y="3521459"/>
+                  </a:lnTo>
+                  <a:lnTo>
+                    <a:pt x="87649" y="3521459"/>
+                  </a:lnTo>
+                  <a:lnTo>
+                    <a:pt x="0" y="3521459"/>
                   </a:lnTo>
                   <a:close/>
                 </a:path>
@@ -5325,111 +5325,111 @@
           </p:nvSpPr>
           <p:spPr>
             <a:xfrm>
-              <a:off x="2693717" y="1966137"/>
-              <a:ext cx="5523167" cy="3519325"/>
+              <a:off x="2695051" y="1966998"/>
+              <a:ext cx="5521893" cy="3515692"/>
             </a:xfrm>
             <a:custGeom>
               <a:avLst/>
               <a:pathLst>
-                <a:path w="5523167" h="3519325">
+                <a:path w="5521893" h="3515692">
                   <a:moveTo>
-                    <a:pt x="0" y="3518088"/>
+                    <a:pt x="0" y="3514456"/>
                   </a:moveTo>
                   <a:lnTo>
-                    <a:pt x="87669" y="3519325"/>
-                  </a:lnTo>
-                  <a:lnTo>
-                    <a:pt x="263007" y="3516851"/>
-                  </a:lnTo>
-                  <a:lnTo>
-                    <a:pt x="438346" y="3504479"/>
-                  </a:lnTo>
-                  <a:lnTo>
-                    <a:pt x="613685" y="3508603"/>
-                  </a:lnTo>
-                  <a:lnTo>
-                    <a:pt x="789023" y="3495406"/>
-                  </a:lnTo>
-                  <a:lnTo>
-                    <a:pt x="964362" y="3498705"/>
-                  </a:lnTo>
-                  <a:lnTo>
-                    <a:pt x="1139701" y="3489633"/>
-                  </a:lnTo>
-                  <a:lnTo>
-                    <a:pt x="1315039" y="3474787"/>
-                  </a:lnTo>
-                  <a:lnTo>
-                    <a:pt x="1490378" y="3446744"/>
-                  </a:lnTo>
-                  <a:lnTo>
-                    <a:pt x="1665717" y="3374989"/>
-                  </a:lnTo>
-                  <a:lnTo>
-                    <a:pt x="1841055" y="3343647"/>
-                  </a:lnTo>
-                  <a:lnTo>
-                    <a:pt x="2016394" y="3313130"/>
-                  </a:lnTo>
-                  <a:lnTo>
-                    <a:pt x="2191732" y="3229003"/>
-                  </a:lnTo>
-                  <a:lnTo>
-                    <a:pt x="2367071" y="3119308"/>
-                  </a:lnTo>
-                  <a:lnTo>
-                    <a:pt x="2542410" y="3117658"/>
-                  </a:lnTo>
-                  <a:lnTo>
-                    <a:pt x="2717748" y="2956002"/>
-                  </a:lnTo>
-                  <a:lnTo>
-                    <a:pt x="2893087" y="2858678"/>
-                  </a:lnTo>
-                  <a:lnTo>
-                    <a:pt x="3068426" y="2778675"/>
-                  </a:lnTo>
-                  <a:lnTo>
-                    <a:pt x="3243764" y="2585677"/>
-                  </a:lnTo>
-                  <a:lnTo>
-                    <a:pt x="3419103" y="2504849"/>
-                  </a:lnTo>
-                  <a:lnTo>
-                    <a:pt x="3594442" y="2410824"/>
-                  </a:lnTo>
-                  <a:lnTo>
-                    <a:pt x="3769780" y="2199681"/>
-                  </a:lnTo>
-                  <a:lnTo>
-                    <a:pt x="3945119" y="2137823"/>
-                  </a:lnTo>
-                  <a:lnTo>
-                    <a:pt x="4120457" y="1913483"/>
-                  </a:lnTo>
-                  <a:lnTo>
-                    <a:pt x="4295796" y="1889565"/>
-                  </a:lnTo>
-                  <a:lnTo>
-                    <a:pt x="4471135" y="1709763"/>
-                  </a:lnTo>
-                  <a:lnTo>
-                    <a:pt x="4646473" y="1567901"/>
-                  </a:lnTo>
-                  <a:lnTo>
-                    <a:pt x="4821812" y="1402121"/>
-                  </a:lnTo>
-                  <a:lnTo>
-                    <a:pt x="4997151" y="1044993"/>
-                  </a:lnTo>
-                  <a:lnTo>
-                    <a:pt x="5172489" y="703535"/>
-                  </a:lnTo>
-                  <a:lnTo>
-                    <a:pt x="5347828" y="10722"/>
-                  </a:lnTo>
-                  <a:lnTo>
-                    <a:pt x="5523167" y="0"/>
+                    <a:pt x="87649" y="3515692"/>
+                  </a:lnTo>
+                  <a:lnTo>
+                    <a:pt x="262947" y="3513220"/>
+                  </a:lnTo>
+                  <a:lnTo>
+                    <a:pt x="438245" y="3500861"/>
+                  </a:lnTo>
+                  <a:lnTo>
+                    <a:pt x="613543" y="3504981"/>
+                  </a:lnTo>
+                  <a:lnTo>
+                    <a:pt x="788841" y="3491798"/>
+                  </a:lnTo>
+                  <a:lnTo>
+                    <a:pt x="964140" y="3495094"/>
+                  </a:lnTo>
+                  <a:lnTo>
+                    <a:pt x="1139438" y="3486031"/>
+                  </a:lnTo>
+                  <a:lnTo>
+                    <a:pt x="1314736" y="3471200"/>
+                  </a:lnTo>
+                  <a:lnTo>
+                    <a:pt x="1490034" y="3443186"/>
+                  </a:lnTo>
+                  <a:lnTo>
+                    <a:pt x="1665332" y="3371505"/>
+                  </a:lnTo>
+                  <a:lnTo>
+                    <a:pt x="1840631" y="3340196"/>
+                  </a:lnTo>
+                  <a:lnTo>
+                    <a:pt x="2015929" y="3309710"/>
+                  </a:lnTo>
+                  <a:lnTo>
+                    <a:pt x="2191227" y="3225670"/>
+                  </a:lnTo>
+                  <a:lnTo>
+                    <a:pt x="2366525" y="3116088"/>
+                  </a:lnTo>
+                  <a:lnTo>
+                    <a:pt x="2541823" y="3114440"/>
+                  </a:lnTo>
+                  <a:lnTo>
+                    <a:pt x="2717122" y="2952950"/>
+                  </a:lnTo>
+                  <a:lnTo>
+                    <a:pt x="2892420" y="2855727"/>
+                  </a:lnTo>
+                  <a:lnTo>
+                    <a:pt x="3067718" y="2775806"/>
+                  </a:lnTo>
+                  <a:lnTo>
+                    <a:pt x="3243016" y="2583008"/>
+                  </a:lnTo>
+                  <a:lnTo>
+                    <a:pt x="3418315" y="2502263"/>
+                  </a:lnTo>
+                  <a:lnTo>
+                    <a:pt x="3593613" y="2408335"/>
+                  </a:lnTo>
+                  <a:lnTo>
+                    <a:pt x="3768911" y="2197410"/>
+                  </a:lnTo>
+                  <a:lnTo>
+                    <a:pt x="3944209" y="2135616"/>
+                  </a:lnTo>
+                  <a:lnTo>
+                    <a:pt x="4119507" y="1911508"/>
+                  </a:lnTo>
+                  <a:lnTo>
+                    <a:pt x="4294806" y="1887614"/>
+                  </a:lnTo>
+                  <a:lnTo>
+                    <a:pt x="4470104" y="1707998"/>
+                  </a:lnTo>
+                  <a:lnTo>
+                    <a:pt x="4645402" y="1566283"/>
+                  </a:lnTo>
+                  <a:lnTo>
+                    <a:pt x="4820700" y="1400674"/>
+                  </a:lnTo>
+                  <a:lnTo>
+                    <a:pt x="4995998" y="1043914"/>
+                  </a:lnTo>
+                  <a:lnTo>
+                    <a:pt x="5171297" y="702808"/>
+                  </a:lnTo>
+                  <a:lnTo>
+                    <a:pt x="5346595" y="10711"/>
+                  </a:lnTo>
+                  <a:lnTo>
+                    <a:pt x="5521893" y="0"/>
                   </a:lnTo>
                 </a:path>
               </a:pathLst>
@@ -5449,111 +5449,111 @@
           </p:nvSpPr>
           <p:spPr>
             <a:xfrm>
-              <a:off x="2693717" y="1966137"/>
-              <a:ext cx="5523167" cy="3519325"/>
+              <a:off x="2695051" y="1966998"/>
+              <a:ext cx="5521893" cy="3515692"/>
             </a:xfrm>
             <a:custGeom>
               <a:avLst/>
               <a:pathLst>
-                <a:path w="5523167" h="3519325">
+                <a:path w="5521893" h="3515692">
                   <a:moveTo>
-                    <a:pt x="0" y="3518088"/>
+                    <a:pt x="0" y="3514456"/>
                   </a:moveTo>
                   <a:lnTo>
-                    <a:pt x="87669" y="3519325"/>
-                  </a:lnTo>
-                  <a:lnTo>
-                    <a:pt x="263007" y="3516851"/>
-                  </a:lnTo>
-                  <a:lnTo>
-                    <a:pt x="438346" y="3504479"/>
-                  </a:lnTo>
-                  <a:lnTo>
-                    <a:pt x="613685" y="3508603"/>
-                  </a:lnTo>
-                  <a:lnTo>
-                    <a:pt x="789023" y="3495406"/>
-                  </a:lnTo>
-                  <a:lnTo>
-                    <a:pt x="964362" y="3498705"/>
-                  </a:lnTo>
-                  <a:lnTo>
-                    <a:pt x="1139701" y="3489633"/>
-                  </a:lnTo>
-                  <a:lnTo>
-                    <a:pt x="1315039" y="3474787"/>
-                  </a:lnTo>
-                  <a:lnTo>
-                    <a:pt x="1490378" y="3446744"/>
-                  </a:lnTo>
-                  <a:lnTo>
-                    <a:pt x="1665717" y="3374989"/>
-                  </a:lnTo>
-                  <a:lnTo>
-                    <a:pt x="1841055" y="3343647"/>
-                  </a:lnTo>
-                  <a:lnTo>
-                    <a:pt x="2016394" y="3313130"/>
-                  </a:lnTo>
-                  <a:lnTo>
-                    <a:pt x="2191732" y="3229003"/>
-                  </a:lnTo>
-                  <a:lnTo>
-                    <a:pt x="2367071" y="3119308"/>
-                  </a:lnTo>
-                  <a:lnTo>
-                    <a:pt x="2542410" y="3117658"/>
-                  </a:lnTo>
-                  <a:lnTo>
-                    <a:pt x="2717748" y="2956002"/>
-                  </a:lnTo>
-                  <a:lnTo>
-                    <a:pt x="2893087" y="2858678"/>
-                  </a:lnTo>
-                  <a:lnTo>
-                    <a:pt x="3068426" y="2778675"/>
-                  </a:lnTo>
-                  <a:lnTo>
-                    <a:pt x="3243764" y="2585677"/>
-                  </a:lnTo>
-                  <a:lnTo>
-                    <a:pt x="3419103" y="2504849"/>
-                  </a:lnTo>
-                  <a:lnTo>
-                    <a:pt x="3594442" y="2410824"/>
-                  </a:lnTo>
-                  <a:lnTo>
-                    <a:pt x="3769780" y="2199681"/>
-                  </a:lnTo>
-                  <a:lnTo>
-                    <a:pt x="3945119" y="2137823"/>
-                  </a:lnTo>
-                  <a:lnTo>
-                    <a:pt x="4120457" y="1913483"/>
-                  </a:lnTo>
-                  <a:lnTo>
-                    <a:pt x="4295796" y="1889565"/>
-                  </a:lnTo>
-                  <a:lnTo>
-                    <a:pt x="4471135" y="1709763"/>
-                  </a:lnTo>
-                  <a:lnTo>
-                    <a:pt x="4646473" y="1567901"/>
-                  </a:lnTo>
-                  <a:lnTo>
-                    <a:pt x="4821812" y="1402121"/>
-                  </a:lnTo>
-                  <a:lnTo>
-                    <a:pt x="4997151" y="1044993"/>
-                  </a:lnTo>
-                  <a:lnTo>
-                    <a:pt x="5172489" y="703535"/>
-                  </a:lnTo>
-                  <a:lnTo>
-                    <a:pt x="5347828" y="10722"/>
-                  </a:lnTo>
-                  <a:lnTo>
-                    <a:pt x="5523167" y="0"/>
+                    <a:pt x="87649" y="3515692"/>
+                  </a:lnTo>
+                  <a:lnTo>
+                    <a:pt x="262947" y="3513220"/>
+                  </a:lnTo>
+                  <a:lnTo>
+                    <a:pt x="438245" y="3500861"/>
+                  </a:lnTo>
+                  <a:lnTo>
+                    <a:pt x="613543" y="3504981"/>
+                  </a:lnTo>
+                  <a:lnTo>
+                    <a:pt x="788841" y="3491798"/>
+                  </a:lnTo>
+                  <a:lnTo>
+                    <a:pt x="964140" y="3495094"/>
+                  </a:lnTo>
+                  <a:lnTo>
+                    <a:pt x="1139438" y="3486031"/>
+                  </a:lnTo>
+                  <a:lnTo>
+                    <a:pt x="1314736" y="3471200"/>
+                  </a:lnTo>
+                  <a:lnTo>
+                    <a:pt x="1490034" y="3443186"/>
+                  </a:lnTo>
+                  <a:lnTo>
+                    <a:pt x="1665332" y="3371505"/>
+                  </a:lnTo>
+                  <a:lnTo>
+                    <a:pt x="1840631" y="3340196"/>
+                  </a:lnTo>
+                  <a:lnTo>
+                    <a:pt x="2015929" y="3309710"/>
+                  </a:lnTo>
+                  <a:lnTo>
+                    <a:pt x="2191227" y="3225670"/>
+                  </a:lnTo>
+                  <a:lnTo>
+                    <a:pt x="2366525" y="3116088"/>
+                  </a:lnTo>
+                  <a:lnTo>
+                    <a:pt x="2541823" y="3114440"/>
+                  </a:lnTo>
+                  <a:lnTo>
+                    <a:pt x="2717122" y="2952950"/>
+                  </a:lnTo>
+                  <a:lnTo>
+                    <a:pt x="2892420" y="2855727"/>
+                  </a:lnTo>
+                  <a:lnTo>
+                    <a:pt x="3067718" y="2775806"/>
+                  </a:lnTo>
+                  <a:lnTo>
+                    <a:pt x="3243016" y="2583008"/>
+                  </a:lnTo>
+                  <a:lnTo>
+                    <a:pt x="3418315" y="2502263"/>
+                  </a:lnTo>
+                  <a:lnTo>
+                    <a:pt x="3593613" y="2408335"/>
+                  </a:lnTo>
+                  <a:lnTo>
+                    <a:pt x="3768911" y="2197410"/>
+                  </a:lnTo>
+                  <a:lnTo>
+                    <a:pt x="3944209" y="2135616"/>
+                  </a:lnTo>
+                  <a:lnTo>
+                    <a:pt x="4119507" y="1911508"/>
+                  </a:lnTo>
+                  <a:lnTo>
+                    <a:pt x="4294806" y="1887614"/>
+                  </a:lnTo>
+                  <a:lnTo>
+                    <a:pt x="4470104" y="1707998"/>
+                  </a:lnTo>
+                  <a:lnTo>
+                    <a:pt x="4645402" y="1566283"/>
+                  </a:lnTo>
+                  <a:lnTo>
+                    <a:pt x="4820700" y="1400674"/>
+                  </a:lnTo>
+                  <a:lnTo>
+                    <a:pt x="4995998" y="1043914"/>
+                  </a:lnTo>
+                  <a:lnTo>
+                    <a:pt x="5171297" y="702808"/>
+                  </a:lnTo>
+                  <a:lnTo>
+                    <a:pt x="5346595" y="10711"/>
+                  </a:lnTo>
+                  <a:lnTo>
+                    <a:pt x="5521893" y="0"/>
                   </a:lnTo>
                 </a:path>
               </a:pathLst>
@@ -5582,8 +5582,8 @@
           </p:nvSpPr>
           <p:spPr>
             <a:xfrm>
-              <a:off x="2693717" y="1789882"/>
-              <a:ext cx="5786175" cy="3877608"/>
+              <a:off x="2695051" y="1790925"/>
+              <a:ext cx="5784840" cy="3873605"/>
             </a:xfrm>
             <a:prstGeom prst="rect">
               <a:avLst/>
@@ -5612,7 +5612,7 @@
           </p:nvSpPr>
           <p:spPr>
             <a:xfrm>
-              <a:off x="2568931" y="5449544"/>
+              <a:off x="2570265" y="5446766"/>
               <a:ext cx="62155" cy="81691"/>
             </a:xfrm>
             <a:prstGeom prst="rect">
@@ -5658,7 +5658,7 @@
           </p:nvSpPr>
           <p:spPr>
             <a:xfrm>
-              <a:off x="2382464" y="4624767"/>
+              <a:off x="2383799" y="4622840"/>
               <a:ext cx="248622" cy="81691"/>
             </a:xfrm>
             <a:prstGeom prst="rect">
@@ -5704,7 +5704,7 @@
           </p:nvSpPr>
           <p:spPr>
             <a:xfrm>
-              <a:off x="2382464" y="3799990"/>
+              <a:off x="2383799" y="3798914"/>
               <a:ext cx="248622" cy="81691"/>
             </a:xfrm>
             <a:prstGeom prst="rect">
@@ -5750,7 +5750,7 @@
           </p:nvSpPr>
           <p:spPr>
             <a:xfrm>
-              <a:off x="2382464" y="2975158"/>
+              <a:off x="2383799" y="2974933"/>
               <a:ext cx="248622" cy="81746"/>
             </a:xfrm>
             <a:prstGeom prst="rect">
@@ -5796,7 +5796,7 @@
           </p:nvSpPr>
           <p:spPr>
             <a:xfrm>
-              <a:off x="2382464" y="2150435"/>
+              <a:off x="2383799" y="2151062"/>
               <a:ext cx="248622" cy="81691"/>
             </a:xfrm>
             <a:prstGeom prst="rect">
@@ -5842,7 +5842,7 @@
           </p:nvSpPr>
           <p:spPr>
             <a:xfrm>
-              <a:off x="2658922" y="5491236"/>
+              <a:off x="2660257" y="5488458"/>
               <a:ext cx="34794" cy="0"/>
             </a:xfrm>
             <a:custGeom>
@@ -5882,7 +5882,7 @@
           </p:nvSpPr>
           <p:spPr>
             <a:xfrm>
-              <a:off x="2658922" y="4666459"/>
+              <a:off x="2660257" y="4664532"/>
               <a:ext cx="34794" cy="0"/>
             </a:xfrm>
             <a:custGeom>
@@ -5922,7 +5922,7 @@
           </p:nvSpPr>
           <p:spPr>
             <a:xfrm>
-              <a:off x="2658922" y="3841681"/>
+              <a:off x="2660257" y="3840606"/>
               <a:ext cx="34794" cy="0"/>
             </a:xfrm>
             <a:custGeom>
@@ -5962,7 +5962,7 @@
           </p:nvSpPr>
           <p:spPr>
             <a:xfrm>
-              <a:off x="2658922" y="3016904"/>
+              <a:off x="2660257" y="3016679"/>
               <a:ext cx="34794" cy="0"/>
             </a:xfrm>
             <a:custGeom>
@@ -6002,7 +6002,7 @@
           </p:nvSpPr>
           <p:spPr>
             <a:xfrm>
-              <a:off x="2658922" y="2192126"/>
+              <a:off x="2660257" y="2192753"/>
               <a:ext cx="34794" cy="0"/>
             </a:xfrm>
             <a:custGeom>
@@ -6042,7 +6042,7 @@
           </p:nvSpPr>
           <p:spPr>
             <a:xfrm>
-              <a:off x="2956725" y="5667491"/>
+              <a:off x="2957998" y="5664531"/>
               <a:ext cx="0" cy="34794"/>
             </a:xfrm>
             <a:custGeom>
@@ -6082,7 +6082,7 @@
           </p:nvSpPr>
           <p:spPr>
             <a:xfrm>
-              <a:off x="4710111" y="5667491"/>
+              <a:off x="4710981" y="5664531"/>
               <a:ext cx="0" cy="34794"/>
             </a:xfrm>
             <a:custGeom>
@@ -6122,7 +6122,7 @@
           </p:nvSpPr>
           <p:spPr>
             <a:xfrm>
-              <a:off x="6463498" y="5667491"/>
+              <a:off x="6463963" y="5664531"/>
               <a:ext cx="0" cy="34794"/>
             </a:xfrm>
             <a:custGeom>
@@ -6162,7 +6162,7 @@
           </p:nvSpPr>
           <p:spPr>
             <a:xfrm>
-              <a:off x="8216884" y="5667491"/>
+              <a:off x="8216945" y="5664531"/>
               <a:ext cx="0" cy="34794"/>
             </a:xfrm>
             <a:custGeom>
@@ -6202,7 +6202,7 @@
           </p:nvSpPr>
           <p:spPr>
             <a:xfrm>
-              <a:off x="2832414" y="5728430"/>
+              <a:off x="2833687" y="5725469"/>
               <a:ext cx="248622" cy="81691"/>
             </a:xfrm>
             <a:prstGeom prst="rect">
@@ -6248,7 +6248,7 @@
           </p:nvSpPr>
           <p:spPr>
             <a:xfrm>
-              <a:off x="4585800" y="5728430"/>
+              <a:off x="4586669" y="5725469"/>
               <a:ext cx="248622" cy="81691"/>
             </a:xfrm>
             <a:prstGeom prst="rect">
@@ -6294,7 +6294,7 @@
           </p:nvSpPr>
           <p:spPr>
             <a:xfrm>
-              <a:off x="6339186" y="5728430"/>
+              <a:off x="6339651" y="5725469"/>
               <a:ext cx="248622" cy="81691"/>
             </a:xfrm>
             <a:prstGeom prst="rect">
@@ -6340,7 +6340,7 @@
           </p:nvSpPr>
           <p:spPr>
             <a:xfrm>
-              <a:off x="8092573" y="5728430"/>
+              <a:off x="8092633" y="5725469"/>
               <a:ext cx="248622" cy="81691"/>
             </a:xfrm>
             <a:prstGeom prst="rect">
@@ -6386,7 +6386,7 @@
           </p:nvSpPr>
           <p:spPr>
             <a:xfrm rot="-5400000">
-              <a:off x="2042281" y="3677868"/>
+              <a:off x="2042281" y="3676909"/>
               <a:ext cx="450341" cy="101637"/>
             </a:xfrm>
             <a:prstGeom prst="rect">
@@ -6432,7 +6432,7 @@
           </p:nvSpPr>
           <p:spPr>
             <a:xfrm>
-              <a:off x="2693717" y="1563049"/>
+              <a:off x="2695051" y="1563049"/>
               <a:ext cx="1304612" cy="121964"/>
             </a:xfrm>
             <a:prstGeom prst="rect">

--- a/_book/plot/global-growth-by-year-1.pptx
+++ b/_book/plot/global-growth-by-year-1.pptx
@@ -3108,10 +3108,10 @@
         </p:nvGrpSpPr>
         <p:grpSpPr>
           <a:xfrm>
-            <a:off x="2148682" y="1495425"/>
-            <a:ext cx="6400800" cy="4572000"/>
-            <a:chOff x="2148682" y="1495425"/>
-            <a:chExt cx="6400800" cy="4572000"/>
+            <a:off x="1691482" y="1521028"/>
+            <a:ext cx="7315200" cy="4520794"/>
+            <a:chOff x="1691482" y="1521028"/>
+            <a:chExt cx="7315200" cy="4520794"/>
           </a:xfrm>
         </p:grpSpPr>
         <p:sp>
@@ -3122,8 +3122,8 @@
           </p:nvSpPr>
           <p:spPr>
             <a:xfrm>
-              <a:off x="2148681" y="1495425"/>
-              <a:ext cx="6400799" cy="4571999"/>
+              <a:off x="1691481" y="1521028"/>
+              <a:ext cx="7315199" cy="4520793"/>
             </a:xfrm>
             <a:prstGeom prst="rect">
               <a:avLst/>
@@ -3157,8 +3157,8 @@
           </p:nvSpPr>
           <p:spPr>
             <a:xfrm>
-              <a:off x="2148681" y="1495425"/>
-              <a:ext cx="6400799" cy="4571999"/>
+              <a:off x="1691481" y="1521028"/>
+              <a:ext cx="7315199" cy="4520793"/>
             </a:xfrm>
             <a:prstGeom prst="rect">
               <a:avLst/>
@@ -3192,8 +3192,8 @@
           </p:nvSpPr>
           <p:spPr>
             <a:xfrm>
-              <a:off x="2695051" y="1790925"/>
-              <a:ext cx="5784840" cy="3873605"/>
+              <a:off x="2237851" y="1816528"/>
+              <a:ext cx="6699240" cy="3822399"/>
             </a:xfrm>
             <a:prstGeom prst="rect">
               <a:avLst/>
@@ -3218,21 +3218,21 @@
           </p:nvSpPr>
           <p:spPr>
             <a:xfrm>
-              <a:off x="2695051" y="5076495"/>
-              <a:ext cx="5784840" cy="0"/>
+              <a:off x="2237851" y="5058665"/>
+              <a:ext cx="6699240" cy="0"/>
             </a:xfrm>
             <a:custGeom>
               <a:avLst/>
               <a:pathLst>
-                <a:path w="5784840" h="0">
+                <a:path w="6699240" h="0">
                   <a:moveTo>
                     <a:pt x="0" y="0"/>
                   </a:moveTo>
                   <a:lnTo>
-                    <a:pt x="5784840" y="0"/>
-                  </a:lnTo>
-                  <a:lnTo>
-                    <a:pt x="5784840" y="0"/>
+                    <a:pt x="6699240" y="0"/>
+                  </a:lnTo>
+                  <a:lnTo>
+                    <a:pt x="6699240" y="0"/>
                   </a:lnTo>
                 </a:path>
               </a:pathLst>
@@ -3261,21 +3261,21 @@
           </p:nvSpPr>
           <p:spPr>
             <a:xfrm>
-              <a:off x="2695051" y="4252569"/>
-              <a:ext cx="5784840" cy="0"/>
+              <a:off x="2237851" y="4245631"/>
+              <a:ext cx="6699240" cy="0"/>
             </a:xfrm>
             <a:custGeom>
               <a:avLst/>
               <a:pathLst>
-                <a:path w="5784840" h="0">
+                <a:path w="6699240" h="0">
                   <a:moveTo>
                     <a:pt x="0" y="0"/>
                   </a:moveTo>
                   <a:lnTo>
-                    <a:pt x="5784840" y="0"/>
-                  </a:lnTo>
-                  <a:lnTo>
-                    <a:pt x="5784840" y="0"/>
+                    <a:pt x="6699240" y="0"/>
+                  </a:lnTo>
+                  <a:lnTo>
+                    <a:pt x="6699240" y="0"/>
                   </a:lnTo>
                 </a:path>
               </a:pathLst>
@@ -3304,21 +3304,21 @@
           </p:nvSpPr>
           <p:spPr>
             <a:xfrm>
-              <a:off x="2695051" y="3428643"/>
-              <a:ext cx="5784840" cy="0"/>
+              <a:off x="2237851" y="3432596"/>
+              <a:ext cx="6699240" cy="0"/>
             </a:xfrm>
             <a:custGeom>
               <a:avLst/>
               <a:pathLst>
-                <a:path w="5784840" h="0">
+                <a:path w="6699240" h="0">
                   <a:moveTo>
                     <a:pt x="0" y="0"/>
                   </a:moveTo>
                   <a:lnTo>
-                    <a:pt x="5784840" y="0"/>
-                  </a:lnTo>
-                  <a:lnTo>
-                    <a:pt x="5784840" y="0"/>
+                    <a:pt x="6699240" y="0"/>
+                  </a:lnTo>
+                  <a:lnTo>
+                    <a:pt x="6699240" y="0"/>
                   </a:lnTo>
                 </a:path>
               </a:pathLst>
@@ -3347,21 +3347,21 @@
           </p:nvSpPr>
           <p:spPr>
             <a:xfrm>
-              <a:off x="2695051" y="2604716"/>
-              <a:ext cx="5784840" cy="0"/>
+              <a:off x="2237851" y="2619562"/>
+              <a:ext cx="6699240" cy="0"/>
             </a:xfrm>
             <a:custGeom>
               <a:avLst/>
               <a:pathLst>
-                <a:path w="5784840" h="0">
+                <a:path w="6699240" h="0">
                   <a:moveTo>
                     <a:pt x="0" y="0"/>
                   </a:moveTo>
                   <a:lnTo>
-                    <a:pt x="5784840" y="0"/>
-                  </a:lnTo>
-                  <a:lnTo>
-                    <a:pt x="5784840" y="0"/>
+                    <a:pt x="6699240" y="0"/>
+                  </a:lnTo>
+                  <a:lnTo>
+                    <a:pt x="6699240" y="0"/>
                   </a:lnTo>
                 </a:path>
               </a:pathLst>
@@ -3390,15 +3390,15 @@
           </p:nvSpPr>
           <p:spPr>
             <a:xfrm>
-              <a:off x="3834489" y="1790925"/>
-              <a:ext cx="0" cy="3873605"/>
+              <a:off x="3557399" y="1816528"/>
+              <a:ext cx="0" cy="3822399"/>
             </a:xfrm>
             <a:custGeom>
               <a:avLst/>
               <a:pathLst>
-                <a:path w="0" h="3873605">
+                <a:path w="0" h="3822399">
                   <a:moveTo>
-                    <a:pt x="0" y="3873605"/>
+                    <a:pt x="0" y="3822399"/>
                   </a:moveTo>
                   <a:lnTo>
                     <a:pt x="0" y="0"/>
@@ -3433,15 +3433,15 @@
           </p:nvSpPr>
           <p:spPr>
             <a:xfrm>
-              <a:off x="5587472" y="1790925"/>
-              <a:ext cx="0" cy="3873605"/>
+              <a:off x="5587472" y="1816528"/>
+              <a:ext cx="0" cy="3822399"/>
             </a:xfrm>
             <a:custGeom>
               <a:avLst/>
               <a:pathLst>
-                <a:path w="0" h="3873605">
+                <a:path w="0" h="3822399">
                   <a:moveTo>
-                    <a:pt x="0" y="3873605"/>
+                    <a:pt x="0" y="3822399"/>
                   </a:moveTo>
                   <a:lnTo>
                     <a:pt x="0" y="0"/>
@@ -3476,15 +3476,15 @@
           </p:nvSpPr>
           <p:spPr>
             <a:xfrm>
-              <a:off x="7340454" y="1790925"/>
-              <a:ext cx="0" cy="3873605"/>
+              <a:off x="7617545" y="1816528"/>
+              <a:ext cx="0" cy="3822399"/>
             </a:xfrm>
             <a:custGeom>
               <a:avLst/>
               <a:pathLst>
-                <a:path w="0" h="3873605">
+                <a:path w="0" h="3822399">
                   <a:moveTo>
-                    <a:pt x="0" y="3873605"/>
+                    <a:pt x="0" y="3822399"/>
                   </a:moveTo>
                   <a:lnTo>
                     <a:pt x="0" y="0"/>
@@ -3519,21 +3519,21 @@
           </p:nvSpPr>
           <p:spPr>
             <a:xfrm>
-              <a:off x="2695051" y="5488458"/>
-              <a:ext cx="5784840" cy="0"/>
+              <a:off x="2237851" y="5465182"/>
+              <a:ext cx="6699240" cy="0"/>
             </a:xfrm>
             <a:custGeom>
               <a:avLst/>
               <a:pathLst>
-                <a:path w="5784840" h="0">
+                <a:path w="6699240" h="0">
                   <a:moveTo>
                     <a:pt x="0" y="0"/>
                   </a:moveTo>
                   <a:lnTo>
-                    <a:pt x="5784840" y="0"/>
-                  </a:lnTo>
-                  <a:lnTo>
-                    <a:pt x="5784840" y="0"/>
+                    <a:pt x="6699240" y="0"/>
+                  </a:lnTo>
+                  <a:lnTo>
+                    <a:pt x="6699240" y="0"/>
                   </a:lnTo>
                 </a:path>
               </a:pathLst>
@@ -3562,21 +3562,21 @@
           </p:nvSpPr>
           <p:spPr>
             <a:xfrm>
-              <a:off x="2695051" y="4664532"/>
-              <a:ext cx="5784840" cy="0"/>
+              <a:off x="2237851" y="4652148"/>
+              <a:ext cx="6699240" cy="0"/>
             </a:xfrm>
             <a:custGeom>
               <a:avLst/>
               <a:pathLst>
-                <a:path w="5784840" h="0">
+                <a:path w="6699240" h="0">
                   <a:moveTo>
                     <a:pt x="0" y="0"/>
                   </a:moveTo>
                   <a:lnTo>
-                    <a:pt x="5784840" y="0"/>
-                  </a:lnTo>
-                  <a:lnTo>
-                    <a:pt x="5784840" y="0"/>
+                    <a:pt x="6699240" y="0"/>
+                  </a:lnTo>
+                  <a:lnTo>
+                    <a:pt x="6699240" y="0"/>
                   </a:lnTo>
                 </a:path>
               </a:pathLst>
@@ -3605,21 +3605,21 @@
           </p:nvSpPr>
           <p:spPr>
             <a:xfrm>
-              <a:off x="2695051" y="3840606"/>
-              <a:ext cx="5784840" cy="0"/>
+              <a:off x="2237851" y="3839113"/>
+              <a:ext cx="6699240" cy="0"/>
             </a:xfrm>
             <a:custGeom>
               <a:avLst/>
               <a:pathLst>
-                <a:path w="5784840" h="0">
+                <a:path w="6699240" h="0">
                   <a:moveTo>
                     <a:pt x="0" y="0"/>
                   </a:moveTo>
                   <a:lnTo>
-                    <a:pt x="5784840" y="0"/>
-                  </a:lnTo>
-                  <a:lnTo>
-                    <a:pt x="5784840" y="0"/>
+                    <a:pt x="6699240" y="0"/>
+                  </a:lnTo>
+                  <a:lnTo>
+                    <a:pt x="6699240" y="0"/>
                   </a:lnTo>
                 </a:path>
               </a:pathLst>
@@ -3648,21 +3648,21 @@
           </p:nvSpPr>
           <p:spPr>
             <a:xfrm>
-              <a:off x="2695051" y="3016679"/>
-              <a:ext cx="5784840" cy="0"/>
+              <a:off x="2237851" y="3026079"/>
+              <a:ext cx="6699240" cy="0"/>
             </a:xfrm>
             <a:custGeom>
               <a:avLst/>
               <a:pathLst>
-                <a:path w="5784840" h="0">
+                <a:path w="6699240" h="0">
                   <a:moveTo>
                     <a:pt x="0" y="0"/>
                   </a:moveTo>
                   <a:lnTo>
-                    <a:pt x="5784840" y="0"/>
-                  </a:lnTo>
-                  <a:lnTo>
-                    <a:pt x="5784840" y="0"/>
+                    <a:pt x="6699240" y="0"/>
+                  </a:lnTo>
+                  <a:lnTo>
+                    <a:pt x="6699240" y="0"/>
                   </a:lnTo>
                 </a:path>
               </a:pathLst>
@@ -3691,21 +3691,21 @@
           </p:nvSpPr>
           <p:spPr>
             <a:xfrm>
-              <a:off x="2695051" y="2192753"/>
-              <a:ext cx="5784840" cy="0"/>
+              <a:off x="2237851" y="2213045"/>
+              <a:ext cx="6699240" cy="0"/>
             </a:xfrm>
             <a:custGeom>
               <a:avLst/>
               <a:pathLst>
-                <a:path w="5784840" h="0">
+                <a:path w="6699240" h="0">
                   <a:moveTo>
                     <a:pt x="0" y="0"/>
                   </a:moveTo>
                   <a:lnTo>
-                    <a:pt x="5784840" y="0"/>
-                  </a:lnTo>
-                  <a:lnTo>
-                    <a:pt x="5784840" y="0"/>
+                    <a:pt x="6699240" y="0"/>
+                  </a:lnTo>
+                  <a:lnTo>
+                    <a:pt x="6699240" y="0"/>
                   </a:lnTo>
                 </a:path>
               </a:pathLst>
@@ -3734,15 +3734,15 @@
           </p:nvSpPr>
           <p:spPr>
             <a:xfrm>
-              <a:off x="2957998" y="1790925"/>
-              <a:ext cx="0" cy="3873605"/>
+              <a:off x="2542362" y="1816528"/>
+              <a:ext cx="0" cy="3822399"/>
             </a:xfrm>
             <a:custGeom>
               <a:avLst/>
               <a:pathLst>
-                <a:path w="0" h="3873605">
+                <a:path w="0" h="3822399">
                   <a:moveTo>
-                    <a:pt x="0" y="3873605"/>
+                    <a:pt x="0" y="3822399"/>
                   </a:moveTo>
                   <a:lnTo>
                     <a:pt x="0" y="0"/>
@@ -3777,15 +3777,15 @@
           </p:nvSpPr>
           <p:spPr>
             <a:xfrm>
-              <a:off x="4710981" y="1790925"/>
-              <a:ext cx="0" cy="3873605"/>
+              <a:off x="4572435" y="1816528"/>
+              <a:ext cx="0" cy="3822399"/>
             </a:xfrm>
             <a:custGeom>
               <a:avLst/>
               <a:pathLst>
-                <a:path w="0" h="3873605">
+                <a:path w="0" h="3822399">
                   <a:moveTo>
-                    <a:pt x="0" y="3873605"/>
+                    <a:pt x="0" y="3822399"/>
                   </a:moveTo>
                   <a:lnTo>
                     <a:pt x="0" y="0"/>
@@ -3820,15 +3820,15 @@
           </p:nvSpPr>
           <p:spPr>
             <a:xfrm>
-              <a:off x="6463963" y="1790925"/>
-              <a:ext cx="0" cy="3873605"/>
+              <a:off x="6602508" y="1816528"/>
+              <a:ext cx="0" cy="3822399"/>
             </a:xfrm>
             <a:custGeom>
               <a:avLst/>
               <a:pathLst>
-                <a:path w="0" h="3873605">
+                <a:path w="0" h="3822399">
                   <a:moveTo>
-                    <a:pt x="0" y="3873605"/>
+                    <a:pt x="0" y="3822399"/>
                   </a:moveTo>
                   <a:lnTo>
                     <a:pt x="0" y="0"/>
@@ -3863,15 +3863,15 @@
           </p:nvSpPr>
           <p:spPr>
             <a:xfrm>
-              <a:off x="8216945" y="1790925"/>
-              <a:ext cx="0" cy="3873605"/>
+              <a:off x="8632581" y="1816528"/>
+              <a:ext cx="0" cy="3822399"/>
             </a:xfrm>
             <a:custGeom>
               <a:avLst/>
               <a:pathLst>
-                <a:path w="0" h="3873605">
+                <a:path w="0" h="3822399">
                   <a:moveTo>
-                    <a:pt x="0" y="3873605"/>
+                    <a:pt x="0" y="3822399"/>
                   </a:moveTo>
                   <a:lnTo>
                     <a:pt x="0" y="0"/>
@@ -3906,7 +3906,7 @@
           </p:nvSpPr>
           <p:spPr>
             <a:xfrm>
-              <a:off x="8171793" y="1921846"/>
+              <a:off x="8587429" y="1945121"/>
               <a:ext cx="90303" cy="90303"/>
             </a:xfrm>
             <a:prstGeom prst="ellipse">
@@ -3941,7 +3941,7 @@
           </p:nvSpPr>
           <p:spPr>
             <a:xfrm>
-              <a:off x="7996495" y="1932557"/>
+              <a:off x="8384422" y="1955691"/>
               <a:ext cx="90303" cy="90303"/>
             </a:xfrm>
             <a:prstGeom prst="ellipse">
@@ -3976,7 +3976,7 @@
           </p:nvSpPr>
           <p:spPr>
             <a:xfrm>
-              <a:off x="7821196" y="2624655"/>
+              <a:off x="8181415" y="2638640"/>
               <a:ext cx="90303" cy="90303"/>
             </a:xfrm>
             <a:prstGeom prst="ellipse">
@@ -4011,7 +4011,7 @@
           </p:nvSpPr>
           <p:spPr>
             <a:xfrm>
-              <a:off x="7645898" y="2965760"/>
+              <a:off x="7978407" y="2975236"/>
               <a:ext cx="90303" cy="90303"/>
             </a:xfrm>
             <a:prstGeom prst="ellipse">
@@ -4046,7 +4046,7 @@
           </p:nvSpPr>
           <p:spPr>
             <a:xfrm>
-              <a:off x="7470600" y="3322520"/>
+              <a:off x="7775400" y="3327280"/>
               <a:ext cx="90303" cy="90303"/>
             </a:xfrm>
             <a:prstGeom prst="ellipse">
@@ -4081,7 +4081,7 @@
           </p:nvSpPr>
           <p:spPr>
             <a:xfrm>
-              <a:off x="7295302" y="3488129"/>
+              <a:off x="7572393" y="3490700"/>
               <a:ext cx="90303" cy="90303"/>
             </a:xfrm>
             <a:prstGeom prst="ellipse">
@@ -4116,7 +4116,7 @@
           </p:nvSpPr>
           <p:spPr>
             <a:xfrm>
-              <a:off x="7120004" y="3629845"/>
+              <a:off x="7369385" y="3630542"/>
               <a:ext cx="90303" cy="90303"/>
             </a:xfrm>
             <a:prstGeom prst="ellipse">
@@ -4151,7 +4151,7 @@
           </p:nvSpPr>
           <p:spPr>
             <a:xfrm>
-              <a:off x="6944705" y="3809460"/>
+              <a:off x="7166378" y="3807783"/>
               <a:ext cx="90303" cy="90303"/>
             </a:xfrm>
             <a:prstGeom prst="ellipse">
@@ -4186,7 +4186,7 @@
           </p:nvSpPr>
           <p:spPr>
             <a:xfrm>
-              <a:off x="6769407" y="3833354"/>
+              <a:off x="6963371" y="3831361"/>
               <a:ext cx="90303" cy="90303"/>
             </a:xfrm>
             <a:prstGeom prst="ellipse">
@@ -4221,7 +4221,7 @@
           </p:nvSpPr>
           <p:spPr>
             <a:xfrm>
-              <a:off x="6594109" y="4057462"/>
+              <a:off x="6760363" y="4052506"/>
               <a:ext cx="90303" cy="90303"/>
             </a:xfrm>
             <a:prstGeom prst="ellipse">
@@ -4256,7 +4256,7 @@
           </p:nvSpPr>
           <p:spPr>
             <a:xfrm>
-              <a:off x="6418811" y="4119257"/>
+              <a:off x="6557356" y="4113484"/>
               <a:ext cx="90303" cy="90303"/>
             </a:xfrm>
             <a:prstGeom prst="ellipse">
@@ -4291,7 +4291,7 @@
           </p:nvSpPr>
           <p:spPr>
             <a:xfrm>
-              <a:off x="6243513" y="4330182"/>
+              <a:off x="6354349" y="4321621"/>
               <a:ext cx="90303" cy="90303"/>
             </a:xfrm>
             <a:prstGeom prst="ellipse">
@@ -4326,7 +4326,7 @@
           </p:nvSpPr>
           <p:spPr>
             <a:xfrm>
-              <a:off x="6068214" y="4424109"/>
+              <a:off x="6151342" y="4414307"/>
               <a:ext cx="90303" cy="90303"/>
             </a:xfrm>
             <a:prstGeom prst="ellipse">
@@ -4361,7 +4361,7 @@
           </p:nvSpPr>
           <p:spPr>
             <a:xfrm>
-              <a:off x="5892916" y="4504854"/>
+              <a:off x="5948334" y="4493984"/>
               <a:ext cx="90303" cy="90303"/>
             </a:xfrm>
             <a:prstGeom prst="ellipse">
@@ -4396,7 +4396,7 @@
           </p:nvSpPr>
           <p:spPr>
             <a:xfrm>
-              <a:off x="5717618" y="4697653"/>
+              <a:off x="5745327" y="4684234"/>
               <a:ext cx="90303" cy="90303"/>
             </a:xfrm>
             <a:prstGeom prst="ellipse">
@@ -4431,7 +4431,7 @@
           </p:nvSpPr>
           <p:spPr>
             <a:xfrm>
-              <a:off x="5542320" y="4777574"/>
+              <a:off x="5542320" y="4763098"/>
               <a:ext cx="90303" cy="90303"/>
             </a:xfrm>
             <a:prstGeom prst="ellipse">
@@ -4466,7 +4466,7 @@
           </p:nvSpPr>
           <p:spPr>
             <a:xfrm>
-              <a:off x="5367021" y="4874797"/>
+              <a:off x="5339312" y="4859036"/>
               <a:ext cx="90303" cy="90303"/>
             </a:xfrm>
             <a:prstGeom prst="ellipse">
@@ -4501,7 +4501,7 @@
           </p:nvSpPr>
           <p:spPr>
             <a:xfrm>
-              <a:off x="5191723" y="5036286"/>
+              <a:off x="5136305" y="5018391"/>
               <a:ext cx="90303" cy="90303"/>
             </a:xfrm>
             <a:prstGeom prst="ellipse">
@@ -4536,7 +4536,7 @@
           </p:nvSpPr>
           <p:spPr>
             <a:xfrm>
-              <a:off x="5016425" y="5037934"/>
+              <a:off x="4933298" y="5020017"/>
               <a:ext cx="90303" cy="90303"/>
             </a:xfrm>
             <a:prstGeom prst="ellipse">
@@ -4571,7 +4571,7 @@
           </p:nvSpPr>
           <p:spPr>
             <a:xfrm>
-              <a:off x="4841127" y="5147516"/>
+              <a:off x="4730290" y="5128151"/>
               <a:ext cx="90303" cy="90303"/>
             </a:xfrm>
             <a:prstGeom prst="ellipse">
@@ -4606,7 +4606,7 @@
           </p:nvSpPr>
           <p:spPr>
             <a:xfrm>
-              <a:off x="4665829" y="5231557"/>
+              <a:off x="4527283" y="5211080"/>
               <a:ext cx="90303" cy="90303"/>
             </a:xfrm>
             <a:prstGeom prst="ellipse">
@@ -4641,7 +4641,7 @@
           </p:nvSpPr>
           <p:spPr>
             <a:xfrm>
-              <a:off x="4490530" y="5262042"/>
+              <a:off x="4324276" y="5241163"/>
               <a:ext cx="90303" cy="90303"/>
             </a:xfrm>
             <a:prstGeom prst="ellipse">
@@ -4676,7 +4676,7 @@
           </p:nvSpPr>
           <p:spPr>
             <a:xfrm>
-              <a:off x="4315232" y="5293351"/>
+              <a:off x="4121269" y="5272058"/>
               <a:ext cx="90303" cy="90303"/>
             </a:xfrm>
             <a:prstGeom prst="ellipse">
@@ -4711,7 +4711,7 @@
           </p:nvSpPr>
           <p:spPr>
             <a:xfrm>
-              <a:off x="4139934" y="5365033"/>
+              <a:off x="3918261" y="5342792"/>
               <a:ext cx="90303" cy="90303"/>
             </a:xfrm>
             <a:prstGeom prst="ellipse">
@@ -4746,7 +4746,7 @@
           </p:nvSpPr>
           <p:spPr>
             <a:xfrm>
-              <a:off x="3964636" y="5393046"/>
+              <a:off x="3715254" y="5370435"/>
               <a:ext cx="90303" cy="90303"/>
             </a:xfrm>
             <a:prstGeom prst="ellipse">
@@ -4781,7 +4781,7 @@
           </p:nvSpPr>
           <p:spPr>
             <a:xfrm>
-              <a:off x="3789338" y="5407877"/>
+              <a:off x="3512247" y="5385070"/>
               <a:ext cx="90303" cy="90303"/>
             </a:xfrm>
             <a:prstGeom prst="ellipse">
@@ -4816,7 +4816,7 @@
           </p:nvSpPr>
           <p:spPr>
             <a:xfrm>
-              <a:off x="3614039" y="5416940"/>
+              <a:off x="3309239" y="5394013"/>
               <a:ext cx="90303" cy="90303"/>
             </a:xfrm>
             <a:prstGeom prst="ellipse">
@@ -4851,7 +4851,7 @@
           </p:nvSpPr>
           <p:spPr>
             <a:xfrm>
-              <a:off x="3438741" y="5413644"/>
+              <a:off x="3106232" y="5390761"/>
               <a:ext cx="90303" cy="90303"/>
             </a:xfrm>
             <a:prstGeom prst="ellipse">
@@ -4886,7 +4886,7 @@
           </p:nvSpPr>
           <p:spPr>
             <a:xfrm>
-              <a:off x="3263443" y="5426827"/>
+              <a:off x="2903225" y="5403769"/>
               <a:ext cx="90303" cy="90303"/>
             </a:xfrm>
             <a:prstGeom prst="ellipse">
@@ -4921,7 +4921,7 @@
           </p:nvSpPr>
           <p:spPr>
             <a:xfrm>
-              <a:off x="3088145" y="5422708"/>
+              <a:off x="2700218" y="5399704"/>
               <a:ext cx="90303" cy="90303"/>
             </a:xfrm>
             <a:prstGeom prst="ellipse">
@@ -4956,7 +4956,7 @@
           </p:nvSpPr>
           <p:spPr>
             <a:xfrm>
-              <a:off x="2912847" y="5435066"/>
+              <a:off x="2497210" y="5411900"/>
               <a:ext cx="90303" cy="90303"/>
             </a:xfrm>
             <a:prstGeom prst="ellipse">
@@ -4991,7 +4991,7 @@
           </p:nvSpPr>
           <p:spPr>
             <a:xfrm>
-              <a:off x="2737548" y="5437538"/>
+              <a:off x="2294203" y="5414339"/>
               <a:ext cx="90303" cy="90303"/>
             </a:xfrm>
             <a:prstGeom prst="ellipse">
@@ -5026,7 +5026,7 @@
           </p:nvSpPr>
           <p:spPr>
             <a:xfrm>
-              <a:off x="2562250" y="5435066"/>
+              <a:off x="2091196" y="5411900"/>
               <a:ext cx="90303" cy="90303"/>
             </a:xfrm>
             <a:prstGeom prst="ellipse">
@@ -5061,7 +5061,7 @@
           </p:nvSpPr>
           <p:spPr>
             <a:xfrm>
-              <a:off x="2386952" y="5439186"/>
+              <a:off x="1888188" y="5415965"/>
               <a:ext cx="90303" cy="90303"/>
             </a:xfrm>
             <a:prstGeom prst="ellipse">
@@ -5096,210 +5096,210 @@
           </p:nvSpPr>
           <p:spPr>
             <a:xfrm>
-              <a:off x="2695051" y="1966998"/>
-              <a:ext cx="5521893" cy="3521459"/>
+              <a:off x="2237851" y="1990273"/>
+              <a:ext cx="6394729" cy="3474908"/>
             </a:xfrm>
             <a:custGeom>
               <a:avLst/>
               <a:pathLst>
-                <a:path w="5521893" h="3521459">
+                <a:path w="6394729" h="3474908">
                   <a:moveTo>
-                    <a:pt x="0" y="3514456"/>
+                    <a:pt x="0" y="3467997"/>
                   </a:moveTo>
                   <a:lnTo>
-                    <a:pt x="87649" y="3515692"/>
-                  </a:lnTo>
-                  <a:lnTo>
-                    <a:pt x="262947" y="3513220"/>
-                  </a:lnTo>
-                  <a:lnTo>
-                    <a:pt x="438245" y="3500861"/>
-                  </a:lnTo>
-                  <a:lnTo>
-                    <a:pt x="613543" y="3504981"/>
-                  </a:lnTo>
-                  <a:lnTo>
-                    <a:pt x="788841" y="3491798"/>
-                  </a:lnTo>
-                  <a:lnTo>
-                    <a:pt x="964140" y="3495094"/>
-                  </a:lnTo>
-                  <a:lnTo>
-                    <a:pt x="1139438" y="3486031"/>
-                  </a:lnTo>
-                  <a:lnTo>
-                    <a:pt x="1314736" y="3471200"/>
-                  </a:lnTo>
-                  <a:lnTo>
-                    <a:pt x="1490034" y="3443186"/>
-                  </a:lnTo>
-                  <a:lnTo>
-                    <a:pt x="1665332" y="3371505"/>
-                  </a:lnTo>
-                  <a:lnTo>
-                    <a:pt x="1840631" y="3340196"/>
-                  </a:lnTo>
-                  <a:lnTo>
-                    <a:pt x="2015929" y="3309710"/>
-                  </a:lnTo>
-                  <a:lnTo>
-                    <a:pt x="2191227" y="3225670"/>
-                  </a:lnTo>
-                  <a:lnTo>
-                    <a:pt x="2366525" y="3116088"/>
-                  </a:lnTo>
-                  <a:lnTo>
-                    <a:pt x="2541823" y="3114440"/>
-                  </a:lnTo>
-                  <a:lnTo>
-                    <a:pt x="2717122" y="2952950"/>
-                  </a:lnTo>
-                  <a:lnTo>
-                    <a:pt x="2892420" y="2855727"/>
-                  </a:lnTo>
-                  <a:lnTo>
-                    <a:pt x="3067718" y="2775806"/>
-                  </a:lnTo>
-                  <a:lnTo>
-                    <a:pt x="3243016" y="2583008"/>
-                  </a:lnTo>
-                  <a:lnTo>
-                    <a:pt x="3418315" y="2502263"/>
-                  </a:lnTo>
-                  <a:lnTo>
-                    <a:pt x="3593613" y="2408335"/>
-                  </a:lnTo>
-                  <a:lnTo>
-                    <a:pt x="3768911" y="2197410"/>
-                  </a:lnTo>
-                  <a:lnTo>
-                    <a:pt x="3944209" y="2135616"/>
-                  </a:lnTo>
-                  <a:lnTo>
-                    <a:pt x="4119507" y="1911508"/>
-                  </a:lnTo>
-                  <a:lnTo>
-                    <a:pt x="4294806" y="1887614"/>
-                  </a:lnTo>
-                  <a:lnTo>
-                    <a:pt x="4470104" y="1707998"/>
-                  </a:lnTo>
-                  <a:lnTo>
-                    <a:pt x="4645402" y="1566283"/>
-                  </a:lnTo>
-                  <a:lnTo>
-                    <a:pt x="4820700" y="1400674"/>
-                  </a:lnTo>
-                  <a:lnTo>
-                    <a:pt x="4995998" y="1043914"/>
-                  </a:lnTo>
-                  <a:lnTo>
-                    <a:pt x="5171297" y="702808"/>
-                  </a:lnTo>
-                  <a:lnTo>
-                    <a:pt x="5346595" y="10711"/>
-                  </a:lnTo>
-                  <a:lnTo>
-                    <a:pt x="5521893" y="0"/>
-                  </a:lnTo>
-                  <a:lnTo>
-                    <a:pt x="5521893" y="3521459"/>
-                  </a:lnTo>
-                  <a:lnTo>
-                    <a:pt x="5346595" y="3521459"/>
-                  </a:lnTo>
-                  <a:lnTo>
-                    <a:pt x="5171297" y="3521459"/>
-                  </a:lnTo>
-                  <a:lnTo>
-                    <a:pt x="4995998" y="3521459"/>
-                  </a:lnTo>
-                  <a:lnTo>
-                    <a:pt x="4820700" y="3521459"/>
-                  </a:lnTo>
-                  <a:lnTo>
-                    <a:pt x="4645402" y="3521459"/>
-                  </a:lnTo>
-                  <a:lnTo>
-                    <a:pt x="4470104" y="3521459"/>
-                  </a:lnTo>
-                  <a:lnTo>
-                    <a:pt x="4294806" y="3521459"/>
-                  </a:lnTo>
-                  <a:lnTo>
-                    <a:pt x="4119507" y="3521459"/>
-                  </a:lnTo>
-                  <a:lnTo>
-                    <a:pt x="3944209" y="3521459"/>
-                  </a:lnTo>
-                  <a:lnTo>
-                    <a:pt x="3768911" y="3521459"/>
-                  </a:lnTo>
-                  <a:lnTo>
-                    <a:pt x="3593613" y="3521459"/>
-                  </a:lnTo>
-                  <a:lnTo>
-                    <a:pt x="3418315" y="3521459"/>
-                  </a:lnTo>
-                  <a:lnTo>
-                    <a:pt x="3243016" y="3521459"/>
-                  </a:lnTo>
-                  <a:lnTo>
-                    <a:pt x="3067718" y="3521459"/>
-                  </a:lnTo>
-                  <a:lnTo>
-                    <a:pt x="2892420" y="3521459"/>
-                  </a:lnTo>
-                  <a:lnTo>
-                    <a:pt x="2717122" y="3521459"/>
-                  </a:lnTo>
-                  <a:lnTo>
-                    <a:pt x="2541823" y="3521459"/>
-                  </a:lnTo>
-                  <a:lnTo>
-                    <a:pt x="2366525" y="3521459"/>
-                  </a:lnTo>
-                  <a:lnTo>
-                    <a:pt x="2191227" y="3521459"/>
-                  </a:lnTo>
-                  <a:lnTo>
-                    <a:pt x="2015929" y="3521459"/>
-                  </a:lnTo>
-                  <a:lnTo>
-                    <a:pt x="1840631" y="3521459"/>
-                  </a:lnTo>
-                  <a:lnTo>
-                    <a:pt x="1665332" y="3521459"/>
-                  </a:lnTo>
-                  <a:lnTo>
-                    <a:pt x="1490034" y="3521459"/>
-                  </a:lnTo>
-                  <a:lnTo>
-                    <a:pt x="1314736" y="3521459"/>
-                  </a:lnTo>
-                  <a:lnTo>
-                    <a:pt x="1139438" y="3521459"/>
-                  </a:lnTo>
-                  <a:lnTo>
-                    <a:pt x="964140" y="3521459"/>
-                  </a:lnTo>
-                  <a:lnTo>
-                    <a:pt x="788841" y="3521459"/>
-                  </a:lnTo>
-                  <a:lnTo>
-                    <a:pt x="613543" y="3521459"/>
-                  </a:lnTo>
-                  <a:lnTo>
-                    <a:pt x="438245" y="3521459"/>
-                  </a:lnTo>
-                  <a:lnTo>
-                    <a:pt x="262947" y="3521459"/>
-                  </a:lnTo>
-                  <a:lnTo>
-                    <a:pt x="87649" y="3521459"/>
-                  </a:lnTo>
-                  <a:lnTo>
-                    <a:pt x="0" y="3521459"/>
+                    <a:pt x="101503" y="3469217"/>
+                  </a:lnTo>
+                  <a:lnTo>
+                    <a:pt x="304510" y="3466778"/>
+                  </a:lnTo>
+                  <a:lnTo>
+                    <a:pt x="507518" y="3454582"/>
+                  </a:lnTo>
+                  <a:lnTo>
+                    <a:pt x="710525" y="3458647"/>
+                  </a:lnTo>
+                  <a:lnTo>
+                    <a:pt x="913532" y="3445639"/>
+                  </a:lnTo>
+                  <a:lnTo>
+                    <a:pt x="1116540" y="3448891"/>
+                  </a:lnTo>
+                  <a:lnTo>
+                    <a:pt x="1319547" y="3439948"/>
+                  </a:lnTo>
+                  <a:lnTo>
+                    <a:pt x="1522554" y="3425313"/>
+                  </a:lnTo>
+                  <a:lnTo>
+                    <a:pt x="1725562" y="3397670"/>
+                  </a:lnTo>
+                  <a:lnTo>
+                    <a:pt x="1928569" y="3326936"/>
+                  </a:lnTo>
+                  <a:lnTo>
+                    <a:pt x="2131576" y="3296041"/>
+                  </a:lnTo>
+                  <a:lnTo>
+                    <a:pt x="2334583" y="3265958"/>
+                  </a:lnTo>
+                  <a:lnTo>
+                    <a:pt x="2537591" y="3183029"/>
+                  </a:lnTo>
+                  <a:lnTo>
+                    <a:pt x="2740598" y="3074895"/>
+                  </a:lnTo>
+                  <a:lnTo>
+                    <a:pt x="2943605" y="3073269"/>
+                  </a:lnTo>
+                  <a:lnTo>
+                    <a:pt x="3146613" y="2913914"/>
+                  </a:lnTo>
+                  <a:lnTo>
+                    <a:pt x="3349620" y="2817976"/>
+                  </a:lnTo>
+                  <a:lnTo>
+                    <a:pt x="3552627" y="2739112"/>
+                  </a:lnTo>
+                  <a:lnTo>
+                    <a:pt x="3755635" y="2548862"/>
+                  </a:lnTo>
+                  <a:lnTo>
+                    <a:pt x="3958642" y="2469185"/>
+                  </a:lnTo>
+                  <a:lnTo>
+                    <a:pt x="4161649" y="2376499"/>
+                  </a:lnTo>
+                  <a:lnTo>
+                    <a:pt x="4364656" y="2168362"/>
+                  </a:lnTo>
+                  <a:lnTo>
+                    <a:pt x="4567664" y="2107384"/>
+                  </a:lnTo>
+                  <a:lnTo>
+                    <a:pt x="4770671" y="1886239"/>
+                  </a:lnTo>
+                  <a:lnTo>
+                    <a:pt x="4973678" y="1862661"/>
+                  </a:lnTo>
+                  <a:lnTo>
+                    <a:pt x="5176686" y="1685420"/>
+                  </a:lnTo>
+                  <a:lnTo>
+                    <a:pt x="5379693" y="1545578"/>
+                  </a:lnTo>
+                  <a:lnTo>
+                    <a:pt x="5582700" y="1382158"/>
+                  </a:lnTo>
+                  <a:lnTo>
+                    <a:pt x="5785707" y="1030114"/>
+                  </a:lnTo>
+                  <a:lnTo>
+                    <a:pt x="5988715" y="693518"/>
+                  </a:lnTo>
+                  <a:lnTo>
+                    <a:pt x="6191722" y="10569"/>
+                  </a:lnTo>
+                  <a:lnTo>
+                    <a:pt x="6394729" y="0"/>
+                  </a:lnTo>
+                  <a:lnTo>
+                    <a:pt x="6394729" y="3474908"/>
+                  </a:lnTo>
+                  <a:lnTo>
+                    <a:pt x="6191722" y="3474908"/>
+                  </a:lnTo>
+                  <a:lnTo>
+                    <a:pt x="5988715" y="3474908"/>
+                  </a:lnTo>
+                  <a:lnTo>
+                    <a:pt x="5785707" y="3474908"/>
+                  </a:lnTo>
+                  <a:lnTo>
+                    <a:pt x="5582700" y="3474908"/>
+                  </a:lnTo>
+                  <a:lnTo>
+                    <a:pt x="5379693" y="3474908"/>
+                  </a:lnTo>
+                  <a:lnTo>
+                    <a:pt x="5176686" y="3474908"/>
+                  </a:lnTo>
+                  <a:lnTo>
+                    <a:pt x="4973678" y="3474908"/>
+                  </a:lnTo>
+                  <a:lnTo>
+                    <a:pt x="4770671" y="3474908"/>
+                  </a:lnTo>
+                  <a:lnTo>
+                    <a:pt x="4567664" y="3474908"/>
+                  </a:lnTo>
+                  <a:lnTo>
+                    <a:pt x="4364656" y="3474908"/>
+                  </a:lnTo>
+                  <a:lnTo>
+                    <a:pt x="4161649" y="3474908"/>
+                  </a:lnTo>
+                  <a:lnTo>
+                    <a:pt x="3958642" y="3474908"/>
+                  </a:lnTo>
+                  <a:lnTo>
+                    <a:pt x="3755635" y="3474908"/>
+                  </a:lnTo>
+                  <a:lnTo>
+                    <a:pt x="3552627" y="3474908"/>
+                  </a:lnTo>
+                  <a:lnTo>
+                    <a:pt x="3349620" y="3474908"/>
+                  </a:lnTo>
+                  <a:lnTo>
+                    <a:pt x="3146613" y="3474908"/>
+                  </a:lnTo>
+                  <a:lnTo>
+                    <a:pt x="2943605" y="3474908"/>
+                  </a:lnTo>
+                  <a:lnTo>
+                    <a:pt x="2740598" y="3474908"/>
+                  </a:lnTo>
+                  <a:lnTo>
+                    <a:pt x="2537591" y="3474908"/>
+                  </a:lnTo>
+                  <a:lnTo>
+                    <a:pt x="2334583" y="3474908"/>
+                  </a:lnTo>
+                  <a:lnTo>
+                    <a:pt x="2131576" y="3474908"/>
+                  </a:lnTo>
+                  <a:lnTo>
+                    <a:pt x="1928569" y="3474908"/>
+                  </a:lnTo>
+                  <a:lnTo>
+                    <a:pt x="1725562" y="3474908"/>
+                  </a:lnTo>
+                  <a:lnTo>
+                    <a:pt x="1522554" y="3474908"/>
+                  </a:lnTo>
+                  <a:lnTo>
+                    <a:pt x="1319547" y="3474908"/>
+                  </a:lnTo>
+                  <a:lnTo>
+                    <a:pt x="1116540" y="3474908"/>
+                  </a:lnTo>
+                  <a:lnTo>
+                    <a:pt x="913532" y="3474908"/>
+                  </a:lnTo>
+                  <a:lnTo>
+                    <a:pt x="710525" y="3474908"/>
+                  </a:lnTo>
+                  <a:lnTo>
+                    <a:pt x="507518" y="3474908"/>
+                  </a:lnTo>
+                  <a:lnTo>
+                    <a:pt x="304510" y="3474908"/>
+                  </a:lnTo>
+                  <a:lnTo>
+                    <a:pt x="101503" y="3474908"/>
+                  </a:lnTo>
+                  <a:lnTo>
+                    <a:pt x="0" y="3474908"/>
                   </a:lnTo>
                   <a:close/>
                 </a:path>
@@ -5325,111 +5325,111 @@
           </p:nvSpPr>
           <p:spPr>
             <a:xfrm>
-              <a:off x="2695051" y="1966998"/>
-              <a:ext cx="5521893" cy="3515692"/>
+              <a:off x="2237851" y="1990273"/>
+              <a:ext cx="6394729" cy="3469217"/>
             </a:xfrm>
             <a:custGeom>
               <a:avLst/>
               <a:pathLst>
-                <a:path w="5521893" h="3515692">
+                <a:path w="6394729" h="3469217">
                   <a:moveTo>
-                    <a:pt x="0" y="3514456"/>
+                    <a:pt x="0" y="3467997"/>
                   </a:moveTo>
                   <a:lnTo>
-                    <a:pt x="87649" y="3515692"/>
-                  </a:lnTo>
-                  <a:lnTo>
-                    <a:pt x="262947" y="3513220"/>
-                  </a:lnTo>
-                  <a:lnTo>
-                    <a:pt x="438245" y="3500861"/>
-                  </a:lnTo>
-                  <a:lnTo>
-                    <a:pt x="613543" y="3504981"/>
-                  </a:lnTo>
-                  <a:lnTo>
-                    <a:pt x="788841" y="3491798"/>
-                  </a:lnTo>
-                  <a:lnTo>
-                    <a:pt x="964140" y="3495094"/>
-                  </a:lnTo>
-                  <a:lnTo>
-                    <a:pt x="1139438" y="3486031"/>
-                  </a:lnTo>
-                  <a:lnTo>
-                    <a:pt x="1314736" y="3471200"/>
-                  </a:lnTo>
-                  <a:lnTo>
-                    <a:pt x="1490034" y="3443186"/>
-                  </a:lnTo>
-                  <a:lnTo>
-                    <a:pt x="1665332" y="3371505"/>
-                  </a:lnTo>
-                  <a:lnTo>
-                    <a:pt x="1840631" y="3340196"/>
-                  </a:lnTo>
-                  <a:lnTo>
-                    <a:pt x="2015929" y="3309710"/>
-                  </a:lnTo>
-                  <a:lnTo>
-                    <a:pt x="2191227" y="3225670"/>
-                  </a:lnTo>
-                  <a:lnTo>
-                    <a:pt x="2366525" y="3116088"/>
-                  </a:lnTo>
-                  <a:lnTo>
-                    <a:pt x="2541823" y="3114440"/>
-                  </a:lnTo>
-                  <a:lnTo>
-                    <a:pt x="2717122" y="2952950"/>
-                  </a:lnTo>
-                  <a:lnTo>
-                    <a:pt x="2892420" y="2855727"/>
-                  </a:lnTo>
-                  <a:lnTo>
-                    <a:pt x="3067718" y="2775806"/>
-                  </a:lnTo>
-                  <a:lnTo>
-                    <a:pt x="3243016" y="2583008"/>
-                  </a:lnTo>
-                  <a:lnTo>
-                    <a:pt x="3418315" y="2502263"/>
-                  </a:lnTo>
-                  <a:lnTo>
-                    <a:pt x="3593613" y="2408335"/>
-                  </a:lnTo>
-                  <a:lnTo>
-                    <a:pt x="3768911" y="2197410"/>
-                  </a:lnTo>
-                  <a:lnTo>
-                    <a:pt x="3944209" y="2135616"/>
-                  </a:lnTo>
-                  <a:lnTo>
-                    <a:pt x="4119507" y="1911508"/>
-                  </a:lnTo>
-                  <a:lnTo>
-                    <a:pt x="4294806" y="1887614"/>
-                  </a:lnTo>
-                  <a:lnTo>
-                    <a:pt x="4470104" y="1707998"/>
-                  </a:lnTo>
-                  <a:lnTo>
-                    <a:pt x="4645402" y="1566283"/>
-                  </a:lnTo>
-                  <a:lnTo>
-                    <a:pt x="4820700" y="1400674"/>
-                  </a:lnTo>
-                  <a:lnTo>
-                    <a:pt x="4995998" y="1043914"/>
-                  </a:lnTo>
-                  <a:lnTo>
-                    <a:pt x="5171297" y="702808"/>
-                  </a:lnTo>
-                  <a:lnTo>
-                    <a:pt x="5346595" y="10711"/>
-                  </a:lnTo>
-                  <a:lnTo>
-                    <a:pt x="5521893" y="0"/>
+                    <a:pt x="101503" y="3469217"/>
+                  </a:lnTo>
+                  <a:lnTo>
+                    <a:pt x="304510" y="3466778"/>
+                  </a:lnTo>
+                  <a:lnTo>
+                    <a:pt x="507518" y="3454582"/>
+                  </a:lnTo>
+                  <a:lnTo>
+                    <a:pt x="710525" y="3458647"/>
+                  </a:lnTo>
+                  <a:lnTo>
+                    <a:pt x="913532" y="3445639"/>
+                  </a:lnTo>
+                  <a:lnTo>
+                    <a:pt x="1116540" y="3448891"/>
+                  </a:lnTo>
+                  <a:lnTo>
+                    <a:pt x="1319547" y="3439948"/>
+                  </a:lnTo>
+                  <a:lnTo>
+                    <a:pt x="1522554" y="3425313"/>
+                  </a:lnTo>
+                  <a:lnTo>
+                    <a:pt x="1725562" y="3397670"/>
+                  </a:lnTo>
+                  <a:lnTo>
+                    <a:pt x="1928569" y="3326936"/>
+                  </a:lnTo>
+                  <a:lnTo>
+                    <a:pt x="2131576" y="3296041"/>
+                  </a:lnTo>
+                  <a:lnTo>
+                    <a:pt x="2334583" y="3265958"/>
+                  </a:lnTo>
+                  <a:lnTo>
+                    <a:pt x="2537591" y="3183029"/>
+                  </a:lnTo>
+                  <a:lnTo>
+                    <a:pt x="2740598" y="3074895"/>
+                  </a:lnTo>
+                  <a:lnTo>
+                    <a:pt x="2943605" y="3073269"/>
+                  </a:lnTo>
+                  <a:lnTo>
+                    <a:pt x="3146613" y="2913914"/>
+                  </a:lnTo>
+                  <a:lnTo>
+                    <a:pt x="3349620" y="2817976"/>
+                  </a:lnTo>
+                  <a:lnTo>
+                    <a:pt x="3552627" y="2739112"/>
+                  </a:lnTo>
+                  <a:lnTo>
+                    <a:pt x="3755635" y="2548862"/>
+                  </a:lnTo>
+                  <a:lnTo>
+                    <a:pt x="3958642" y="2469185"/>
+                  </a:lnTo>
+                  <a:lnTo>
+                    <a:pt x="4161649" y="2376499"/>
+                  </a:lnTo>
+                  <a:lnTo>
+                    <a:pt x="4364656" y="2168362"/>
+                  </a:lnTo>
+                  <a:lnTo>
+                    <a:pt x="4567664" y="2107384"/>
+                  </a:lnTo>
+                  <a:lnTo>
+                    <a:pt x="4770671" y="1886239"/>
+                  </a:lnTo>
+                  <a:lnTo>
+                    <a:pt x="4973678" y="1862661"/>
+                  </a:lnTo>
+                  <a:lnTo>
+                    <a:pt x="5176686" y="1685420"/>
+                  </a:lnTo>
+                  <a:lnTo>
+                    <a:pt x="5379693" y="1545578"/>
+                  </a:lnTo>
+                  <a:lnTo>
+                    <a:pt x="5582700" y="1382158"/>
+                  </a:lnTo>
+                  <a:lnTo>
+                    <a:pt x="5785707" y="1030114"/>
+                  </a:lnTo>
+                  <a:lnTo>
+                    <a:pt x="5988715" y="693518"/>
+                  </a:lnTo>
+                  <a:lnTo>
+                    <a:pt x="6191722" y="10569"/>
+                  </a:lnTo>
+                  <a:lnTo>
+                    <a:pt x="6394729" y="0"/>
                   </a:lnTo>
                 </a:path>
               </a:pathLst>
@@ -5449,111 +5449,111 @@
           </p:nvSpPr>
           <p:spPr>
             <a:xfrm>
-              <a:off x="2695051" y="1966998"/>
-              <a:ext cx="5521893" cy="3515692"/>
+              <a:off x="2237851" y="1990273"/>
+              <a:ext cx="6394729" cy="3469217"/>
             </a:xfrm>
             <a:custGeom>
               <a:avLst/>
               <a:pathLst>
-                <a:path w="5521893" h="3515692">
+                <a:path w="6394729" h="3469217">
                   <a:moveTo>
-                    <a:pt x="0" y="3514456"/>
+                    <a:pt x="0" y="3467997"/>
                   </a:moveTo>
                   <a:lnTo>
-                    <a:pt x="87649" y="3515692"/>
-                  </a:lnTo>
-                  <a:lnTo>
-                    <a:pt x="262947" y="3513220"/>
-                  </a:lnTo>
-                  <a:lnTo>
-                    <a:pt x="438245" y="3500861"/>
-                  </a:lnTo>
-                  <a:lnTo>
-                    <a:pt x="613543" y="3504981"/>
-                  </a:lnTo>
-                  <a:lnTo>
-                    <a:pt x="788841" y="3491798"/>
-                  </a:lnTo>
-                  <a:lnTo>
-                    <a:pt x="964140" y="3495094"/>
-                  </a:lnTo>
-                  <a:lnTo>
-                    <a:pt x="1139438" y="3486031"/>
-                  </a:lnTo>
-                  <a:lnTo>
-                    <a:pt x="1314736" y="3471200"/>
-                  </a:lnTo>
-                  <a:lnTo>
-                    <a:pt x="1490034" y="3443186"/>
-                  </a:lnTo>
-                  <a:lnTo>
-                    <a:pt x="1665332" y="3371505"/>
-                  </a:lnTo>
-                  <a:lnTo>
-                    <a:pt x="1840631" y="3340196"/>
-                  </a:lnTo>
-                  <a:lnTo>
-                    <a:pt x="2015929" y="3309710"/>
-                  </a:lnTo>
-                  <a:lnTo>
-                    <a:pt x="2191227" y="3225670"/>
-                  </a:lnTo>
-                  <a:lnTo>
-                    <a:pt x="2366525" y="3116088"/>
-                  </a:lnTo>
-                  <a:lnTo>
-                    <a:pt x="2541823" y="3114440"/>
-                  </a:lnTo>
-                  <a:lnTo>
-                    <a:pt x="2717122" y="2952950"/>
-                  </a:lnTo>
-                  <a:lnTo>
-                    <a:pt x="2892420" y="2855727"/>
-                  </a:lnTo>
-                  <a:lnTo>
-                    <a:pt x="3067718" y="2775806"/>
-                  </a:lnTo>
-                  <a:lnTo>
-                    <a:pt x="3243016" y="2583008"/>
-                  </a:lnTo>
-                  <a:lnTo>
-                    <a:pt x="3418315" y="2502263"/>
-                  </a:lnTo>
-                  <a:lnTo>
-                    <a:pt x="3593613" y="2408335"/>
-                  </a:lnTo>
-                  <a:lnTo>
-                    <a:pt x="3768911" y="2197410"/>
-                  </a:lnTo>
-                  <a:lnTo>
-                    <a:pt x="3944209" y="2135616"/>
-                  </a:lnTo>
-                  <a:lnTo>
-                    <a:pt x="4119507" y="1911508"/>
-                  </a:lnTo>
-                  <a:lnTo>
-                    <a:pt x="4294806" y="1887614"/>
-                  </a:lnTo>
-                  <a:lnTo>
-                    <a:pt x="4470104" y="1707998"/>
-                  </a:lnTo>
-                  <a:lnTo>
-                    <a:pt x="4645402" y="1566283"/>
-                  </a:lnTo>
-                  <a:lnTo>
-                    <a:pt x="4820700" y="1400674"/>
-                  </a:lnTo>
-                  <a:lnTo>
-                    <a:pt x="4995998" y="1043914"/>
-                  </a:lnTo>
-                  <a:lnTo>
-                    <a:pt x="5171297" y="702808"/>
-                  </a:lnTo>
-                  <a:lnTo>
-                    <a:pt x="5346595" y="10711"/>
-                  </a:lnTo>
-                  <a:lnTo>
-                    <a:pt x="5521893" y="0"/>
+                    <a:pt x="101503" y="3469217"/>
+                  </a:lnTo>
+                  <a:lnTo>
+                    <a:pt x="304510" y="3466778"/>
+                  </a:lnTo>
+                  <a:lnTo>
+                    <a:pt x="507518" y="3454582"/>
+                  </a:lnTo>
+                  <a:lnTo>
+                    <a:pt x="710525" y="3458647"/>
+                  </a:lnTo>
+                  <a:lnTo>
+                    <a:pt x="913532" y="3445639"/>
+                  </a:lnTo>
+                  <a:lnTo>
+                    <a:pt x="1116540" y="3448891"/>
+                  </a:lnTo>
+                  <a:lnTo>
+                    <a:pt x="1319547" y="3439948"/>
+                  </a:lnTo>
+                  <a:lnTo>
+                    <a:pt x="1522554" y="3425313"/>
+                  </a:lnTo>
+                  <a:lnTo>
+                    <a:pt x="1725562" y="3397670"/>
+                  </a:lnTo>
+                  <a:lnTo>
+                    <a:pt x="1928569" y="3326936"/>
+                  </a:lnTo>
+                  <a:lnTo>
+                    <a:pt x="2131576" y="3296041"/>
+                  </a:lnTo>
+                  <a:lnTo>
+                    <a:pt x="2334583" y="3265958"/>
+                  </a:lnTo>
+                  <a:lnTo>
+                    <a:pt x="2537591" y="3183029"/>
+                  </a:lnTo>
+                  <a:lnTo>
+                    <a:pt x="2740598" y="3074895"/>
+                  </a:lnTo>
+                  <a:lnTo>
+                    <a:pt x="2943605" y="3073269"/>
+                  </a:lnTo>
+                  <a:lnTo>
+                    <a:pt x="3146613" y="2913914"/>
+                  </a:lnTo>
+                  <a:lnTo>
+                    <a:pt x="3349620" y="2817976"/>
+                  </a:lnTo>
+                  <a:lnTo>
+                    <a:pt x="3552627" y="2739112"/>
+                  </a:lnTo>
+                  <a:lnTo>
+                    <a:pt x="3755635" y="2548862"/>
+                  </a:lnTo>
+                  <a:lnTo>
+                    <a:pt x="3958642" y="2469185"/>
+                  </a:lnTo>
+                  <a:lnTo>
+                    <a:pt x="4161649" y="2376499"/>
+                  </a:lnTo>
+                  <a:lnTo>
+                    <a:pt x="4364656" y="2168362"/>
+                  </a:lnTo>
+                  <a:lnTo>
+                    <a:pt x="4567664" y="2107384"/>
+                  </a:lnTo>
+                  <a:lnTo>
+                    <a:pt x="4770671" y="1886239"/>
+                  </a:lnTo>
+                  <a:lnTo>
+                    <a:pt x="4973678" y="1862661"/>
+                  </a:lnTo>
+                  <a:lnTo>
+                    <a:pt x="5176686" y="1685420"/>
+                  </a:lnTo>
+                  <a:lnTo>
+                    <a:pt x="5379693" y="1545578"/>
+                  </a:lnTo>
+                  <a:lnTo>
+                    <a:pt x="5582700" y="1382158"/>
+                  </a:lnTo>
+                  <a:lnTo>
+                    <a:pt x="5785707" y="1030114"/>
+                  </a:lnTo>
+                  <a:lnTo>
+                    <a:pt x="5988715" y="693518"/>
+                  </a:lnTo>
+                  <a:lnTo>
+                    <a:pt x="6191722" y="10569"/>
+                  </a:lnTo>
+                  <a:lnTo>
+                    <a:pt x="6394729" y="0"/>
                   </a:lnTo>
                 </a:path>
               </a:pathLst>
@@ -5582,8 +5582,8 @@
           </p:nvSpPr>
           <p:spPr>
             <a:xfrm>
-              <a:off x="2695051" y="1790925"/>
-              <a:ext cx="5784840" cy="3873605"/>
+              <a:off x="2237851" y="1816528"/>
+              <a:ext cx="6699240" cy="3822399"/>
             </a:xfrm>
             <a:prstGeom prst="rect">
               <a:avLst/>
@@ -5612,7 +5612,7 @@
           </p:nvSpPr>
           <p:spPr>
             <a:xfrm>
-              <a:off x="2570265" y="5446766"/>
+              <a:off x="2113065" y="5423490"/>
               <a:ext cx="62155" cy="81691"/>
             </a:xfrm>
             <a:prstGeom prst="rect">
@@ -5658,7 +5658,7 @@
           </p:nvSpPr>
           <p:spPr>
             <a:xfrm>
-              <a:off x="2383799" y="4622840"/>
+              <a:off x="1926599" y="4610456"/>
               <a:ext cx="248622" cy="81691"/>
             </a:xfrm>
             <a:prstGeom prst="rect">
@@ -5704,7 +5704,7 @@
           </p:nvSpPr>
           <p:spPr>
             <a:xfrm>
-              <a:off x="2383799" y="3798914"/>
+              <a:off x="1926599" y="3797422"/>
               <a:ext cx="248622" cy="81691"/>
             </a:xfrm>
             <a:prstGeom prst="rect">
@@ -5750,7 +5750,7 @@
           </p:nvSpPr>
           <p:spPr>
             <a:xfrm>
-              <a:off x="2383799" y="2974933"/>
+              <a:off x="1926599" y="2984333"/>
               <a:ext cx="248622" cy="81746"/>
             </a:xfrm>
             <a:prstGeom prst="rect">
@@ -5796,7 +5796,7 @@
           </p:nvSpPr>
           <p:spPr>
             <a:xfrm>
-              <a:off x="2383799" y="2151062"/>
+              <a:off x="1926599" y="2171353"/>
               <a:ext cx="248622" cy="81691"/>
             </a:xfrm>
             <a:prstGeom prst="rect">
@@ -5842,7 +5842,7 @@
           </p:nvSpPr>
           <p:spPr>
             <a:xfrm>
-              <a:off x="2660257" y="5488458"/>
+              <a:off x="2203057" y="5465182"/>
               <a:ext cx="34794" cy="0"/>
             </a:xfrm>
             <a:custGeom>
@@ -5882,7 +5882,7 @@
           </p:nvSpPr>
           <p:spPr>
             <a:xfrm>
-              <a:off x="2660257" y="4664532"/>
+              <a:off x="2203057" y="4652148"/>
               <a:ext cx="34794" cy="0"/>
             </a:xfrm>
             <a:custGeom>
@@ -5922,7 +5922,7 @@
           </p:nvSpPr>
           <p:spPr>
             <a:xfrm>
-              <a:off x="2660257" y="3840606"/>
+              <a:off x="2203057" y="3839113"/>
               <a:ext cx="34794" cy="0"/>
             </a:xfrm>
             <a:custGeom>
@@ -5962,7 +5962,7 @@
           </p:nvSpPr>
           <p:spPr>
             <a:xfrm>
-              <a:off x="2660257" y="3016679"/>
+              <a:off x="2203057" y="3026079"/>
               <a:ext cx="34794" cy="0"/>
             </a:xfrm>
             <a:custGeom>
@@ -6002,7 +6002,7 @@
           </p:nvSpPr>
           <p:spPr>
             <a:xfrm>
-              <a:off x="2660257" y="2192753"/>
+              <a:off x="2203057" y="2213045"/>
               <a:ext cx="34794" cy="0"/>
             </a:xfrm>
             <a:custGeom>
@@ -6042,7 +6042,7 @@
           </p:nvSpPr>
           <p:spPr>
             <a:xfrm>
-              <a:off x="2957998" y="5664531"/>
+              <a:off x="2542362" y="5638927"/>
               <a:ext cx="0" cy="34794"/>
             </a:xfrm>
             <a:custGeom>
@@ -6082,7 +6082,7 @@
           </p:nvSpPr>
           <p:spPr>
             <a:xfrm>
-              <a:off x="4710981" y="5664531"/>
+              <a:off x="4572435" y="5638927"/>
               <a:ext cx="0" cy="34794"/>
             </a:xfrm>
             <a:custGeom>
@@ -6122,7 +6122,7 @@
           </p:nvSpPr>
           <p:spPr>
             <a:xfrm>
-              <a:off x="6463963" y="5664531"/>
+              <a:off x="6602508" y="5638927"/>
               <a:ext cx="0" cy="34794"/>
             </a:xfrm>
             <a:custGeom>
@@ -6162,7 +6162,7 @@
           </p:nvSpPr>
           <p:spPr>
             <a:xfrm>
-              <a:off x="8216945" y="5664531"/>
+              <a:off x="8632581" y="5638927"/>
               <a:ext cx="0" cy="34794"/>
             </a:xfrm>
             <a:custGeom>
@@ -6202,7 +6202,7 @@
           </p:nvSpPr>
           <p:spPr>
             <a:xfrm>
-              <a:off x="2833687" y="5725469"/>
+              <a:off x="2418051" y="5699866"/>
               <a:ext cx="248622" cy="81691"/>
             </a:xfrm>
             <a:prstGeom prst="rect">
@@ -6248,7 +6248,7 @@
           </p:nvSpPr>
           <p:spPr>
             <a:xfrm>
-              <a:off x="4586669" y="5725469"/>
+              <a:off x="4448124" y="5699866"/>
               <a:ext cx="248622" cy="81691"/>
             </a:xfrm>
             <a:prstGeom prst="rect">
@@ -6294,7 +6294,7 @@
           </p:nvSpPr>
           <p:spPr>
             <a:xfrm>
-              <a:off x="6339651" y="5725469"/>
+              <a:off x="6478197" y="5699866"/>
               <a:ext cx="248622" cy="81691"/>
             </a:xfrm>
             <a:prstGeom prst="rect">
@@ -6340,7 +6340,7 @@
           </p:nvSpPr>
           <p:spPr>
             <a:xfrm>
-              <a:off x="8092633" y="5725469"/>
+              <a:off x="8508270" y="5699866"/>
               <a:ext cx="248622" cy="81691"/>
             </a:xfrm>
             <a:prstGeom prst="rect">
@@ -6386,7 +6386,7 @@
           </p:nvSpPr>
           <p:spPr>
             <a:xfrm rot="-5400000">
-              <a:off x="2042281" y="3676909"/>
+              <a:off x="1585081" y="3676909"/>
               <a:ext cx="450341" cy="101637"/>
             </a:xfrm>
             <a:prstGeom prst="rect">
@@ -6432,7 +6432,7 @@
           </p:nvSpPr>
           <p:spPr>
             <a:xfrm>
-              <a:off x="2695051" y="1563049"/>
+              <a:off x="2237851" y="1588652"/>
               <a:ext cx="1304612" cy="121964"/>
             </a:xfrm>
             <a:prstGeom prst="rect">
